--- a/english/no not one.pptx
+++ b/english/no not one.pptx
@@ -14,9 +14,18 @@
     <p:sldId id="260" r:id="rId8"/>
     <p:sldId id="257" r:id="rId9"/>
     <p:sldId id="258" r:id="rId10"/>
-    <p:sldId id="259" r:id="rId11"/>
-    <p:sldId id="261" r:id="rId12"/>
-    <p:sldId id="262" r:id="rId13"/>
+    <p:sldId id="275" r:id="rId11"/>
+    <p:sldId id="259" r:id="rId12"/>
+    <p:sldId id="276" r:id="rId13"/>
+    <p:sldId id="261" r:id="rId14"/>
+    <p:sldId id="277" r:id="rId15"/>
+    <p:sldId id="262" r:id="rId16"/>
+    <p:sldId id="278" r:id="rId17"/>
+    <p:sldId id="274" r:id="rId18"/>
+    <p:sldId id="270" r:id="rId19"/>
+    <p:sldId id="271" r:id="rId20"/>
+    <p:sldId id="272" r:id="rId21"/>
+    <p:sldId id="273" r:id="rId22"/>
   </p:sldIdLst>
   <p:sldSz cx="9144000" cy="6858000" type="screen4x3"/>
   <p:notesSz cx="6858000" cy="9144000"/>
@@ -327,7 +336,7 @@
             <a:fld id="{F2258946-9B85-4B95-9F73-B229F48C7100}" type="datetimeFigureOut">
               <a:rPr lang="zh-TW" altLang="en-US" smtClean="0"/>
               <a:pPr/>
-              <a:t>2019/4/4</a:t>
+              <a:t>2019/4/25</a:t>
             </a:fld>
             <a:endParaRPr lang="zh-TW" altLang="en-US"/>
           </a:p>
@@ -494,7 +503,7 @@
             <a:fld id="{F2258946-9B85-4B95-9F73-B229F48C7100}" type="datetimeFigureOut">
               <a:rPr lang="zh-TW" altLang="en-US" smtClean="0"/>
               <a:pPr/>
-              <a:t>2019/4/4</a:t>
+              <a:t>2019/4/25</a:t>
             </a:fld>
             <a:endParaRPr lang="zh-TW" altLang="en-US"/>
           </a:p>
@@ -692,7 +701,7 @@
             <a:fld id="{F2258946-9B85-4B95-9F73-B229F48C7100}" type="datetimeFigureOut">
               <a:rPr lang="zh-TW" altLang="en-US" smtClean="0"/>
               <a:pPr/>
-              <a:t>2019/4/4</a:t>
+              <a:t>2019/4/25</a:t>
             </a:fld>
             <a:endParaRPr lang="zh-TW" altLang="en-US"/>
           </a:p>
@@ -859,7 +868,7 @@
             <a:fld id="{F2258946-9B85-4B95-9F73-B229F48C7100}" type="datetimeFigureOut">
               <a:rPr lang="zh-TW" altLang="en-US" smtClean="0"/>
               <a:pPr/>
-              <a:t>2019/4/4</a:t>
+              <a:t>2019/4/25</a:t>
             </a:fld>
             <a:endParaRPr lang="zh-TW" altLang="en-US"/>
           </a:p>
@@ -1126,7 +1135,7 @@
             <a:fld id="{F2258946-9B85-4B95-9F73-B229F48C7100}" type="datetimeFigureOut">
               <a:rPr lang="zh-TW" altLang="en-US" smtClean="0"/>
               <a:pPr/>
-              <a:t>2019/4/4</a:t>
+              <a:t>2019/4/25</a:t>
             </a:fld>
             <a:endParaRPr lang="zh-TW" altLang="en-US"/>
           </a:p>
@@ -1411,7 +1420,7 @@
             <a:fld id="{F2258946-9B85-4B95-9F73-B229F48C7100}" type="datetimeFigureOut">
               <a:rPr lang="zh-TW" altLang="en-US" smtClean="0"/>
               <a:pPr/>
-              <a:t>2019/4/4</a:t>
+              <a:t>2019/4/25</a:t>
             </a:fld>
             <a:endParaRPr lang="zh-TW" altLang="en-US"/>
           </a:p>
@@ -1803,7 +1812,7 @@
             <a:fld id="{F2258946-9B85-4B95-9F73-B229F48C7100}" type="datetimeFigureOut">
               <a:rPr lang="zh-TW" altLang="en-US" smtClean="0"/>
               <a:pPr/>
-              <a:t>2019/4/4</a:t>
+              <a:t>2019/4/25</a:t>
             </a:fld>
             <a:endParaRPr lang="zh-TW" altLang="en-US"/>
           </a:p>
@@ -1945,7 +1954,7 @@
             <a:fld id="{F2258946-9B85-4B95-9F73-B229F48C7100}" type="datetimeFigureOut">
               <a:rPr lang="zh-TW" altLang="en-US" smtClean="0"/>
               <a:pPr/>
-              <a:t>2019/4/4</a:t>
+              <a:t>2019/4/25</a:t>
             </a:fld>
             <a:endParaRPr lang="zh-TW" altLang="en-US"/>
           </a:p>
@@ -2037,7 +2046,7 @@
             <a:fld id="{F2258946-9B85-4B95-9F73-B229F48C7100}" type="datetimeFigureOut">
               <a:rPr lang="zh-TW" altLang="en-US" smtClean="0"/>
               <a:pPr/>
-              <a:t>2019/4/4</a:t>
+              <a:t>2019/4/25</a:t>
             </a:fld>
             <a:endParaRPr lang="zh-TW" altLang="en-US"/>
           </a:p>
@@ -2365,7 +2374,7 @@
             <a:fld id="{F2258946-9B85-4B95-9F73-B229F48C7100}" type="datetimeFigureOut">
               <a:rPr lang="zh-TW" altLang="en-US" smtClean="0"/>
               <a:pPr/>
-              <a:t>2019/4/4</a:t>
+              <a:t>2019/4/25</a:t>
             </a:fld>
             <a:endParaRPr lang="zh-TW" altLang="en-US"/>
           </a:p>
@@ -2839,7 +2848,7 @@
             <a:fld id="{F2258946-9B85-4B95-9F73-B229F48C7100}" type="datetimeFigureOut">
               <a:rPr lang="zh-TW" altLang="en-US" smtClean="0"/>
               <a:pPr/>
-              <a:t>2019/4/4</a:t>
+              <a:t>2019/4/25</a:t>
             </a:fld>
             <a:endParaRPr lang="zh-TW" altLang="en-US"/>
           </a:p>
@@ -3062,7 +3071,7 @@
             <a:fld id="{F2258946-9B85-4B95-9F73-B229F48C7100}" type="datetimeFigureOut">
               <a:rPr lang="zh-TW" altLang="en-US" smtClean="0"/>
               <a:pPr/>
-              <a:t>2019/4/4</a:t>
+              <a:t>2019/4/25</a:t>
             </a:fld>
             <a:endParaRPr lang="zh-TW" altLang="en-US"/>
           </a:p>
@@ -3605,6 +3614,152 @@
         </p:nvSpPr>
         <p:spPr>
           <a:xfrm>
+            <a:off x="357158" y="857232"/>
+            <a:ext cx="8358246" cy="5286412"/>
+          </a:xfrm>
+        </p:spPr>
+        <p:txBody>
+          <a:bodyPr>
+            <a:normAutofit/>
+          </a:bodyPr>
+          <a:lstStyle/>
+          <a:p>
+            <a:pPr algn="ctr">
+              <a:buNone/>
+            </a:pPr>
+            <a:r>
+              <a:rPr lang="en-US" sz="4300" b="1" dirty="0" smtClean="0">
+                <a:latin typeface="Arial Unicode MS" pitchFamily="34" charset="-120"/>
+                <a:ea typeface="Arial Unicode MS" pitchFamily="34" charset="-120"/>
+                <a:cs typeface="Arial Unicode MS" pitchFamily="34" charset="-120"/>
+              </a:rPr>
+              <a:t>Jesus knows all about</a:t>
+            </a:r>
+          </a:p>
+          <a:p>
+            <a:pPr algn="ctr">
+              <a:buNone/>
+            </a:pPr>
+            <a:r>
+              <a:rPr lang="en-US" sz="4300" b="1" dirty="0" smtClean="0">
+                <a:latin typeface="Arial Unicode MS" pitchFamily="34" charset="-120"/>
+                <a:ea typeface="Arial Unicode MS" pitchFamily="34" charset="-120"/>
+                <a:cs typeface="Arial Unicode MS" pitchFamily="34" charset="-120"/>
+              </a:rPr>
+              <a:t>our struggles,</a:t>
+            </a:r>
+          </a:p>
+          <a:p>
+            <a:pPr algn="ctr">
+              <a:buNone/>
+            </a:pPr>
+            <a:r>
+              <a:rPr lang="en-US" sz="4300" b="1" dirty="0" smtClean="0">
+                <a:latin typeface="Arial Unicode MS" pitchFamily="34" charset="-120"/>
+                <a:ea typeface="Arial Unicode MS" pitchFamily="34" charset="-120"/>
+                <a:cs typeface="Arial Unicode MS" pitchFamily="34" charset="-120"/>
+              </a:rPr>
+              <a:t>He will guide till the day is done;</a:t>
+            </a:r>
+          </a:p>
+          <a:p>
+            <a:pPr algn="ctr">
+              <a:buNone/>
+            </a:pPr>
+            <a:r>
+              <a:rPr lang="en-US" sz="4300" b="1" dirty="0" smtClean="0">
+                <a:latin typeface="Arial Unicode MS" pitchFamily="34" charset="-120"/>
+                <a:ea typeface="Arial Unicode MS" pitchFamily="34" charset="-120"/>
+                <a:cs typeface="Arial Unicode MS" pitchFamily="34" charset="-120"/>
+              </a:rPr>
+              <a:t>There's not a friend</a:t>
+            </a:r>
+          </a:p>
+          <a:p>
+            <a:pPr algn="ctr">
+              <a:buNone/>
+            </a:pPr>
+            <a:r>
+              <a:rPr lang="en-US" sz="4300" b="1" dirty="0" smtClean="0">
+                <a:latin typeface="Arial Unicode MS" pitchFamily="34" charset="-120"/>
+                <a:ea typeface="Arial Unicode MS" pitchFamily="34" charset="-120"/>
+                <a:cs typeface="Arial Unicode MS" pitchFamily="34" charset="-120"/>
+              </a:rPr>
+              <a:t>like the lowly Jesus, </a:t>
+            </a:r>
+          </a:p>
+          <a:p>
+            <a:pPr algn="ctr">
+              <a:buNone/>
+            </a:pPr>
+            <a:r>
+              <a:rPr lang="en-US" sz="4300" b="1" dirty="0" smtClean="0">
+                <a:latin typeface="Arial Unicode MS" pitchFamily="34" charset="-120"/>
+                <a:ea typeface="Arial Unicode MS" pitchFamily="34" charset="-120"/>
+                <a:cs typeface="Arial Unicode MS" pitchFamily="34" charset="-120"/>
+              </a:rPr>
+              <a:t>No, not one! No, not one</a:t>
+            </a:r>
+            <a:r>
+              <a:rPr lang="en-US" sz="3900" b="1" dirty="0">
+                <a:latin typeface="Arial Unicode MS" pitchFamily="34" charset="-120"/>
+                <a:ea typeface="Arial Unicode MS" pitchFamily="34" charset="-120"/>
+                <a:cs typeface="Arial Unicode MS" pitchFamily="34" charset="-120"/>
+              </a:rPr>
+              <a:t>!</a:t>
+            </a:r>
+            <a:endParaRPr lang="zh-TW" altLang="en-US" sz="3900" b="1" dirty="0">
+              <a:latin typeface="Arial Unicode MS" pitchFamily="34" charset="-120"/>
+              <a:ea typeface="Arial Unicode MS" pitchFamily="34" charset="-120"/>
+              <a:cs typeface="Arial Unicode MS" pitchFamily="34" charset="-120"/>
+            </a:endParaRPr>
+          </a:p>
+        </p:txBody>
+      </p:sp>
+    </p:spTree>
+  </p:cSld>
+  <p:clrMapOvr>
+    <a:masterClrMapping/>
+  </p:clrMapOvr>
+  <p:timing>
+    <p:tnLst>
+      <p:par>
+        <p:cTn id="1" dur="indefinite" restart="never" nodeType="tmRoot"/>
+      </p:par>
+    </p:tnLst>
+  </p:timing>
+</p:sld>
+</file>
+
+<file path=ppt/slides/slide11.xml><?xml version="1.0" encoding="utf-8"?>
+<p:sld xmlns:a="http://schemas.openxmlformats.org/drawingml/2006/main" xmlns:r="http://schemas.openxmlformats.org/officeDocument/2006/relationships" xmlns:p="http://schemas.openxmlformats.org/presentationml/2006/main">
+  <p:cSld>
+    <p:spTree>
+      <p:nvGrpSpPr>
+        <p:cNvPr id="1" name=""/>
+        <p:cNvGrpSpPr/>
+        <p:nvPr/>
+      </p:nvGrpSpPr>
+      <p:grpSpPr>
+        <a:xfrm>
+          <a:off x="0" y="0"/>
+          <a:ext cx="0" cy="0"/>
+          <a:chOff x="0" y="0"/>
+          <a:chExt cx="0" cy="0"/>
+        </a:xfrm>
+      </p:grpSpPr>
+      <p:sp>
+        <p:nvSpPr>
+          <p:cNvPr id="3" name="內容版面配置區 2"/>
+          <p:cNvSpPr>
+            <a:spLocks noGrp="1"/>
+          </p:cNvSpPr>
+          <p:nvPr>
+            <p:ph idx="1"/>
+          </p:nvPr>
+        </p:nvSpPr>
+        <p:spPr>
+          <a:xfrm>
             <a:off x="500034" y="857232"/>
             <a:ext cx="8229600" cy="4724400"/>
           </a:xfrm>
@@ -3768,10 +3923,163 @@
   <p:clrMapOvr>
     <a:masterClrMapping/>
   </p:clrMapOvr>
+  <p:timing>
+    <p:tnLst>
+      <p:par>
+        <p:cTn id="1" dur="indefinite" restart="never" nodeType="tmRoot"/>
+      </p:par>
+    </p:tnLst>
+  </p:timing>
 </p:sld>
 </file>
 
-<file path=ppt/slides/slide11.xml><?xml version="1.0" encoding="utf-8"?>
+<file path=ppt/slides/slide12.xml><?xml version="1.0" encoding="utf-8"?>
+<p:sld xmlns:a="http://schemas.openxmlformats.org/drawingml/2006/main" xmlns:r="http://schemas.openxmlformats.org/officeDocument/2006/relationships" xmlns:p="http://schemas.openxmlformats.org/presentationml/2006/main">
+  <p:cSld>
+    <p:spTree>
+      <p:nvGrpSpPr>
+        <p:cNvPr id="1" name=""/>
+        <p:cNvGrpSpPr/>
+        <p:nvPr/>
+      </p:nvGrpSpPr>
+      <p:grpSpPr>
+        <a:xfrm>
+          <a:off x="0" y="0"/>
+          <a:ext cx="0" cy="0"/>
+          <a:chOff x="0" y="0"/>
+          <a:chExt cx="0" cy="0"/>
+        </a:xfrm>
+      </p:grpSpPr>
+      <p:sp>
+        <p:nvSpPr>
+          <p:cNvPr id="3" name="內容版面配置區 2"/>
+          <p:cNvSpPr>
+            <a:spLocks noGrp="1"/>
+          </p:cNvSpPr>
+          <p:nvPr>
+            <p:ph idx="1"/>
+          </p:nvPr>
+        </p:nvSpPr>
+        <p:spPr>
+          <a:xfrm>
+            <a:off x="357158" y="857232"/>
+            <a:ext cx="8358246" cy="5286412"/>
+          </a:xfrm>
+        </p:spPr>
+        <p:txBody>
+          <a:bodyPr>
+            <a:normAutofit/>
+          </a:bodyPr>
+          <a:lstStyle/>
+          <a:p>
+            <a:pPr algn="ctr">
+              <a:buNone/>
+            </a:pPr>
+            <a:r>
+              <a:rPr lang="en-US" sz="4300" b="1" dirty="0" smtClean="0">
+                <a:latin typeface="Arial Unicode MS" pitchFamily="34" charset="-120"/>
+                <a:ea typeface="Arial Unicode MS" pitchFamily="34" charset="-120"/>
+                <a:cs typeface="Arial Unicode MS" pitchFamily="34" charset="-120"/>
+              </a:rPr>
+              <a:t>Jesus knows all about</a:t>
+            </a:r>
+          </a:p>
+          <a:p>
+            <a:pPr algn="ctr">
+              <a:buNone/>
+            </a:pPr>
+            <a:r>
+              <a:rPr lang="en-US" sz="4300" b="1" dirty="0" smtClean="0">
+                <a:latin typeface="Arial Unicode MS" pitchFamily="34" charset="-120"/>
+                <a:ea typeface="Arial Unicode MS" pitchFamily="34" charset="-120"/>
+                <a:cs typeface="Arial Unicode MS" pitchFamily="34" charset="-120"/>
+              </a:rPr>
+              <a:t>our struggles,</a:t>
+            </a:r>
+          </a:p>
+          <a:p>
+            <a:pPr algn="ctr">
+              <a:buNone/>
+            </a:pPr>
+            <a:r>
+              <a:rPr lang="en-US" sz="4300" b="1" dirty="0" smtClean="0">
+                <a:latin typeface="Arial Unicode MS" pitchFamily="34" charset="-120"/>
+                <a:ea typeface="Arial Unicode MS" pitchFamily="34" charset="-120"/>
+                <a:cs typeface="Arial Unicode MS" pitchFamily="34" charset="-120"/>
+              </a:rPr>
+              <a:t>He will guide till the day is done;</a:t>
+            </a:r>
+          </a:p>
+          <a:p>
+            <a:pPr algn="ctr">
+              <a:buNone/>
+            </a:pPr>
+            <a:r>
+              <a:rPr lang="en-US" sz="4300" b="1" dirty="0" smtClean="0">
+                <a:latin typeface="Arial Unicode MS" pitchFamily="34" charset="-120"/>
+                <a:ea typeface="Arial Unicode MS" pitchFamily="34" charset="-120"/>
+                <a:cs typeface="Arial Unicode MS" pitchFamily="34" charset="-120"/>
+              </a:rPr>
+              <a:t>There's not a friend</a:t>
+            </a:r>
+          </a:p>
+          <a:p>
+            <a:pPr algn="ctr">
+              <a:buNone/>
+            </a:pPr>
+            <a:r>
+              <a:rPr lang="en-US" sz="4300" b="1" dirty="0" smtClean="0">
+                <a:latin typeface="Arial Unicode MS" pitchFamily="34" charset="-120"/>
+                <a:ea typeface="Arial Unicode MS" pitchFamily="34" charset="-120"/>
+                <a:cs typeface="Arial Unicode MS" pitchFamily="34" charset="-120"/>
+              </a:rPr>
+              <a:t>like the lowly Jesus, </a:t>
+            </a:r>
+          </a:p>
+          <a:p>
+            <a:pPr algn="ctr">
+              <a:buNone/>
+            </a:pPr>
+            <a:r>
+              <a:rPr lang="en-US" sz="4300" b="1" dirty="0" smtClean="0">
+                <a:latin typeface="Arial Unicode MS" pitchFamily="34" charset="-120"/>
+                <a:ea typeface="Arial Unicode MS" pitchFamily="34" charset="-120"/>
+                <a:cs typeface="Arial Unicode MS" pitchFamily="34" charset="-120"/>
+              </a:rPr>
+              <a:t>No, not one! No, not one</a:t>
+            </a:r>
+            <a:r>
+              <a:rPr lang="en-US" sz="3900" b="1" dirty="0">
+                <a:latin typeface="Arial Unicode MS" pitchFamily="34" charset="-120"/>
+                <a:ea typeface="Arial Unicode MS" pitchFamily="34" charset="-120"/>
+                <a:cs typeface="Arial Unicode MS" pitchFamily="34" charset="-120"/>
+              </a:rPr>
+              <a:t>!</a:t>
+            </a:r>
+            <a:endParaRPr lang="zh-TW" altLang="en-US" sz="3900" b="1" dirty="0">
+              <a:latin typeface="Arial Unicode MS" pitchFamily="34" charset="-120"/>
+              <a:ea typeface="Arial Unicode MS" pitchFamily="34" charset="-120"/>
+              <a:cs typeface="Arial Unicode MS" pitchFamily="34" charset="-120"/>
+            </a:endParaRPr>
+          </a:p>
+        </p:txBody>
+      </p:sp>
+    </p:spTree>
+  </p:cSld>
+  <p:clrMapOvr>
+    <a:masterClrMapping/>
+  </p:clrMapOvr>
+  <p:timing>
+    <p:tnLst>
+      <p:par>
+        <p:cTn id="1" dur="indefinite" restart="never" nodeType="tmRoot"/>
+      </p:par>
+    </p:tnLst>
+  </p:timing>
+</p:sld>
+</file>
+
+<file path=ppt/slides/slide13.xml><?xml version="1.0" encoding="utf-8"?>
 <p:sld xmlns:a="http://schemas.openxmlformats.org/drawingml/2006/main" xmlns:r="http://schemas.openxmlformats.org/officeDocument/2006/relationships" xmlns:p="http://schemas.openxmlformats.org/presentationml/2006/main">
   <p:cSld>
     <p:spTree>
@@ -3937,10 +4245,163 @@
   <p:clrMapOvr>
     <a:masterClrMapping/>
   </p:clrMapOvr>
+  <p:timing>
+    <p:tnLst>
+      <p:par>
+        <p:cTn id="1" dur="indefinite" restart="never" nodeType="tmRoot"/>
+      </p:par>
+    </p:tnLst>
+  </p:timing>
 </p:sld>
 </file>
 
-<file path=ppt/slides/slide12.xml><?xml version="1.0" encoding="utf-8"?>
+<file path=ppt/slides/slide14.xml><?xml version="1.0" encoding="utf-8"?>
+<p:sld xmlns:a="http://schemas.openxmlformats.org/drawingml/2006/main" xmlns:r="http://schemas.openxmlformats.org/officeDocument/2006/relationships" xmlns:p="http://schemas.openxmlformats.org/presentationml/2006/main">
+  <p:cSld>
+    <p:spTree>
+      <p:nvGrpSpPr>
+        <p:cNvPr id="1" name=""/>
+        <p:cNvGrpSpPr/>
+        <p:nvPr/>
+      </p:nvGrpSpPr>
+      <p:grpSpPr>
+        <a:xfrm>
+          <a:off x="0" y="0"/>
+          <a:ext cx="0" cy="0"/>
+          <a:chOff x="0" y="0"/>
+          <a:chExt cx="0" cy="0"/>
+        </a:xfrm>
+      </p:grpSpPr>
+      <p:sp>
+        <p:nvSpPr>
+          <p:cNvPr id="3" name="內容版面配置區 2"/>
+          <p:cNvSpPr>
+            <a:spLocks noGrp="1"/>
+          </p:cNvSpPr>
+          <p:nvPr>
+            <p:ph idx="1"/>
+          </p:nvPr>
+        </p:nvSpPr>
+        <p:spPr>
+          <a:xfrm>
+            <a:off x="357158" y="857232"/>
+            <a:ext cx="8358246" cy="5286412"/>
+          </a:xfrm>
+        </p:spPr>
+        <p:txBody>
+          <a:bodyPr>
+            <a:normAutofit/>
+          </a:bodyPr>
+          <a:lstStyle/>
+          <a:p>
+            <a:pPr algn="ctr">
+              <a:buNone/>
+            </a:pPr>
+            <a:r>
+              <a:rPr lang="en-US" sz="4300" b="1" dirty="0" smtClean="0">
+                <a:latin typeface="Arial Unicode MS" pitchFamily="34" charset="-120"/>
+                <a:ea typeface="Arial Unicode MS" pitchFamily="34" charset="-120"/>
+                <a:cs typeface="Arial Unicode MS" pitchFamily="34" charset="-120"/>
+              </a:rPr>
+              <a:t>Jesus knows all about</a:t>
+            </a:r>
+          </a:p>
+          <a:p>
+            <a:pPr algn="ctr">
+              <a:buNone/>
+            </a:pPr>
+            <a:r>
+              <a:rPr lang="en-US" sz="4300" b="1" dirty="0" smtClean="0">
+                <a:latin typeface="Arial Unicode MS" pitchFamily="34" charset="-120"/>
+                <a:ea typeface="Arial Unicode MS" pitchFamily="34" charset="-120"/>
+                <a:cs typeface="Arial Unicode MS" pitchFamily="34" charset="-120"/>
+              </a:rPr>
+              <a:t>our struggles,</a:t>
+            </a:r>
+          </a:p>
+          <a:p>
+            <a:pPr algn="ctr">
+              <a:buNone/>
+            </a:pPr>
+            <a:r>
+              <a:rPr lang="en-US" sz="4300" b="1" dirty="0" smtClean="0">
+                <a:latin typeface="Arial Unicode MS" pitchFamily="34" charset="-120"/>
+                <a:ea typeface="Arial Unicode MS" pitchFamily="34" charset="-120"/>
+                <a:cs typeface="Arial Unicode MS" pitchFamily="34" charset="-120"/>
+              </a:rPr>
+              <a:t>He will guide till the day is done;</a:t>
+            </a:r>
+          </a:p>
+          <a:p>
+            <a:pPr algn="ctr">
+              <a:buNone/>
+            </a:pPr>
+            <a:r>
+              <a:rPr lang="en-US" sz="4300" b="1" dirty="0" smtClean="0">
+                <a:latin typeface="Arial Unicode MS" pitchFamily="34" charset="-120"/>
+                <a:ea typeface="Arial Unicode MS" pitchFamily="34" charset="-120"/>
+                <a:cs typeface="Arial Unicode MS" pitchFamily="34" charset="-120"/>
+              </a:rPr>
+              <a:t>There's not a friend</a:t>
+            </a:r>
+          </a:p>
+          <a:p>
+            <a:pPr algn="ctr">
+              <a:buNone/>
+            </a:pPr>
+            <a:r>
+              <a:rPr lang="en-US" sz="4300" b="1" dirty="0" smtClean="0">
+                <a:latin typeface="Arial Unicode MS" pitchFamily="34" charset="-120"/>
+                <a:ea typeface="Arial Unicode MS" pitchFamily="34" charset="-120"/>
+                <a:cs typeface="Arial Unicode MS" pitchFamily="34" charset="-120"/>
+              </a:rPr>
+              <a:t>like the lowly Jesus, </a:t>
+            </a:r>
+          </a:p>
+          <a:p>
+            <a:pPr algn="ctr">
+              <a:buNone/>
+            </a:pPr>
+            <a:r>
+              <a:rPr lang="en-US" sz="4300" b="1" dirty="0" smtClean="0">
+                <a:latin typeface="Arial Unicode MS" pitchFamily="34" charset="-120"/>
+                <a:ea typeface="Arial Unicode MS" pitchFamily="34" charset="-120"/>
+                <a:cs typeface="Arial Unicode MS" pitchFamily="34" charset="-120"/>
+              </a:rPr>
+              <a:t>No, not one! No, not one</a:t>
+            </a:r>
+            <a:r>
+              <a:rPr lang="en-US" sz="3900" b="1" dirty="0">
+                <a:latin typeface="Arial Unicode MS" pitchFamily="34" charset="-120"/>
+                <a:ea typeface="Arial Unicode MS" pitchFamily="34" charset="-120"/>
+                <a:cs typeface="Arial Unicode MS" pitchFamily="34" charset="-120"/>
+              </a:rPr>
+              <a:t>!</a:t>
+            </a:r>
+            <a:endParaRPr lang="zh-TW" altLang="en-US" sz="3900" b="1" dirty="0">
+              <a:latin typeface="Arial Unicode MS" pitchFamily="34" charset="-120"/>
+              <a:ea typeface="Arial Unicode MS" pitchFamily="34" charset="-120"/>
+              <a:cs typeface="Arial Unicode MS" pitchFamily="34" charset="-120"/>
+            </a:endParaRPr>
+          </a:p>
+        </p:txBody>
+      </p:sp>
+    </p:spTree>
+  </p:cSld>
+  <p:clrMapOvr>
+    <a:masterClrMapping/>
+  </p:clrMapOvr>
+  <p:timing>
+    <p:tnLst>
+      <p:par>
+        <p:cTn id="1" dur="indefinite" restart="never" nodeType="tmRoot"/>
+      </p:par>
+    </p:tnLst>
+  </p:timing>
+</p:sld>
+</file>
+
+<file path=ppt/slides/slide15.xml><?xml version="1.0" encoding="utf-8"?>
 <p:sld xmlns:a="http://schemas.openxmlformats.org/drawingml/2006/main" xmlns:r="http://schemas.openxmlformats.org/officeDocument/2006/relationships" xmlns:p="http://schemas.openxmlformats.org/presentationml/2006/main">
   <p:cSld>
     <p:spTree>
@@ -4101,6 +4562,772 @@
   <p:clrMapOvr>
     <a:masterClrMapping/>
   </p:clrMapOvr>
+  <p:timing>
+    <p:tnLst>
+      <p:par>
+        <p:cTn id="1" dur="indefinite" restart="never" nodeType="tmRoot"/>
+      </p:par>
+    </p:tnLst>
+  </p:timing>
+</p:sld>
+</file>
+
+<file path=ppt/slides/slide16.xml><?xml version="1.0" encoding="utf-8"?>
+<p:sld xmlns:a="http://schemas.openxmlformats.org/drawingml/2006/main" xmlns:r="http://schemas.openxmlformats.org/officeDocument/2006/relationships" xmlns:p="http://schemas.openxmlformats.org/presentationml/2006/main">
+  <p:cSld>
+    <p:spTree>
+      <p:nvGrpSpPr>
+        <p:cNvPr id="1" name=""/>
+        <p:cNvGrpSpPr/>
+        <p:nvPr/>
+      </p:nvGrpSpPr>
+      <p:grpSpPr>
+        <a:xfrm>
+          <a:off x="0" y="0"/>
+          <a:ext cx="0" cy="0"/>
+          <a:chOff x="0" y="0"/>
+          <a:chExt cx="0" cy="0"/>
+        </a:xfrm>
+      </p:grpSpPr>
+      <p:sp>
+        <p:nvSpPr>
+          <p:cNvPr id="3" name="內容版面配置區 2"/>
+          <p:cNvSpPr>
+            <a:spLocks noGrp="1"/>
+          </p:cNvSpPr>
+          <p:nvPr>
+            <p:ph idx="1"/>
+          </p:nvPr>
+        </p:nvSpPr>
+        <p:spPr>
+          <a:xfrm>
+            <a:off x="357158" y="857232"/>
+            <a:ext cx="8358246" cy="5286412"/>
+          </a:xfrm>
+        </p:spPr>
+        <p:txBody>
+          <a:bodyPr>
+            <a:normAutofit/>
+          </a:bodyPr>
+          <a:lstStyle/>
+          <a:p>
+            <a:pPr algn="ctr">
+              <a:buNone/>
+            </a:pPr>
+            <a:r>
+              <a:rPr lang="en-US" sz="4300" b="1" dirty="0" smtClean="0">
+                <a:latin typeface="Arial Unicode MS" pitchFamily="34" charset="-120"/>
+                <a:ea typeface="Arial Unicode MS" pitchFamily="34" charset="-120"/>
+                <a:cs typeface="Arial Unicode MS" pitchFamily="34" charset="-120"/>
+              </a:rPr>
+              <a:t>Jesus knows all about</a:t>
+            </a:r>
+          </a:p>
+          <a:p>
+            <a:pPr algn="ctr">
+              <a:buNone/>
+            </a:pPr>
+            <a:r>
+              <a:rPr lang="en-US" sz="4300" b="1" dirty="0" smtClean="0">
+                <a:latin typeface="Arial Unicode MS" pitchFamily="34" charset="-120"/>
+                <a:ea typeface="Arial Unicode MS" pitchFamily="34" charset="-120"/>
+                <a:cs typeface="Arial Unicode MS" pitchFamily="34" charset="-120"/>
+              </a:rPr>
+              <a:t>our struggles,</a:t>
+            </a:r>
+          </a:p>
+          <a:p>
+            <a:pPr algn="ctr">
+              <a:buNone/>
+            </a:pPr>
+            <a:r>
+              <a:rPr lang="en-US" sz="4300" b="1" dirty="0" smtClean="0">
+                <a:latin typeface="Arial Unicode MS" pitchFamily="34" charset="-120"/>
+                <a:ea typeface="Arial Unicode MS" pitchFamily="34" charset="-120"/>
+                <a:cs typeface="Arial Unicode MS" pitchFamily="34" charset="-120"/>
+              </a:rPr>
+              <a:t>He will guide till the day is done;</a:t>
+            </a:r>
+          </a:p>
+          <a:p>
+            <a:pPr algn="ctr">
+              <a:buNone/>
+            </a:pPr>
+            <a:r>
+              <a:rPr lang="en-US" sz="4300" b="1" dirty="0" smtClean="0">
+                <a:latin typeface="Arial Unicode MS" pitchFamily="34" charset="-120"/>
+                <a:ea typeface="Arial Unicode MS" pitchFamily="34" charset="-120"/>
+                <a:cs typeface="Arial Unicode MS" pitchFamily="34" charset="-120"/>
+              </a:rPr>
+              <a:t>There's not a friend</a:t>
+            </a:r>
+          </a:p>
+          <a:p>
+            <a:pPr algn="ctr">
+              <a:buNone/>
+            </a:pPr>
+            <a:r>
+              <a:rPr lang="en-US" sz="4300" b="1" dirty="0" smtClean="0">
+                <a:latin typeface="Arial Unicode MS" pitchFamily="34" charset="-120"/>
+                <a:ea typeface="Arial Unicode MS" pitchFamily="34" charset="-120"/>
+                <a:cs typeface="Arial Unicode MS" pitchFamily="34" charset="-120"/>
+              </a:rPr>
+              <a:t>like the lowly Jesus, </a:t>
+            </a:r>
+          </a:p>
+          <a:p>
+            <a:pPr algn="ctr">
+              <a:buNone/>
+            </a:pPr>
+            <a:r>
+              <a:rPr lang="en-US" sz="4300" b="1" dirty="0" smtClean="0">
+                <a:latin typeface="Arial Unicode MS" pitchFamily="34" charset="-120"/>
+                <a:ea typeface="Arial Unicode MS" pitchFamily="34" charset="-120"/>
+                <a:cs typeface="Arial Unicode MS" pitchFamily="34" charset="-120"/>
+              </a:rPr>
+              <a:t>No, not one! No, not one</a:t>
+            </a:r>
+            <a:r>
+              <a:rPr lang="en-US" sz="3900" b="1" dirty="0">
+                <a:latin typeface="Arial Unicode MS" pitchFamily="34" charset="-120"/>
+                <a:ea typeface="Arial Unicode MS" pitchFamily="34" charset="-120"/>
+                <a:cs typeface="Arial Unicode MS" pitchFamily="34" charset="-120"/>
+              </a:rPr>
+              <a:t>!</a:t>
+            </a:r>
+            <a:endParaRPr lang="zh-TW" altLang="en-US" sz="3900" b="1" dirty="0">
+              <a:latin typeface="Arial Unicode MS" pitchFamily="34" charset="-120"/>
+              <a:ea typeface="Arial Unicode MS" pitchFamily="34" charset="-120"/>
+              <a:cs typeface="Arial Unicode MS" pitchFamily="34" charset="-120"/>
+            </a:endParaRPr>
+          </a:p>
+        </p:txBody>
+      </p:sp>
+    </p:spTree>
+  </p:cSld>
+  <p:clrMapOvr>
+    <a:masterClrMapping/>
+  </p:clrMapOvr>
+  <p:timing>
+    <p:tnLst>
+      <p:par>
+        <p:cTn id="1" dur="indefinite" restart="never" nodeType="tmRoot"/>
+      </p:par>
+    </p:tnLst>
+  </p:timing>
+</p:sld>
+</file>
+
+<file path=ppt/slides/slide17.xml><?xml version="1.0" encoding="utf-8"?>
+<p:sld xmlns:a="http://schemas.openxmlformats.org/drawingml/2006/main" xmlns:r="http://schemas.openxmlformats.org/officeDocument/2006/relationships" xmlns:p="http://schemas.openxmlformats.org/presentationml/2006/main">
+  <p:cSld>
+    <p:spTree>
+      <p:nvGrpSpPr>
+        <p:cNvPr id="1" name=""/>
+        <p:cNvGrpSpPr/>
+        <p:nvPr/>
+      </p:nvGrpSpPr>
+      <p:grpSpPr>
+        <a:xfrm>
+          <a:off x="0" y="0"/>
+          <a:ext cx="0" cy="0"/>
+          <a:chOff x="0" y="0"/>
+          <a:chExt cx="0" cy="0"/>
+        </a:xfrm>
+      </p:grpSpPr>
+      <p:sp>
+        <p:nvSpPr>
+          <p:cNvPr id="3" name="副標題 2"/>
+          <p:cNvSpPr>
+            <a:spLocks noGrp="1"/>
+          </p:cNvSpPr>
+          <p:nvPr>
+            <p:ph type="subTitle" idx="1"/>
+          </p:nvPr>
+        </p:nvSpPr>
+        <p:spPr/>
+        <p:txBody>
+          <a:bodyPr/>
+          <a:lstStyle/>
+          <a:p>
+            <a:endParaRPr lang="zh-TW" altLang="en-US"/>
+          </a:p>
+        </p:txBody>
+      </p:sp>
+      <p:sp>
+        <p:nvSpPr>
+          <p:cNvPr id="6" name="標題 5"/>
+          <p:cNvSpPr>
+            <a:spLocks noGrp="1"/>
+          </p:cNvSpPr>
+          <p:nvPr>
+            <p:ph type="ctrTitle"/>
+          </p:nvPr>
+        </p:nvSpPr>
+        <p:spPr/>
+        <p:txBody>
+          <a:bodyPr/>
+          <a:lstStyle/>
+          <a:p>
+            <a:endParaRPr lang="zh-TW" altLang="en-US"/>
+          </a:p>
+        </p:txBody>
+      </p:sp>
+      <p:pic>
+        <p:nvPicPr>
+          <p:cNvPr id="12292" name="Picture 4" descr="ãhe's got the whole world in his handsãçåçæå°çµæ"/>
+          <p:cNvPicPr>
+            <a:picLocks noChangeAspect="1" noChangeArrowheads="1"/>
+          </p:cNvPicPr>
+          <p:nvPr/>
+        </p:nvPicPr>
+        <p:blipFill>
+          <a:blip r:embed="rId2"/>
+          <a:srcRect/>
+          <a:stretch>
+            <a:fillRect/>
+          </a:stretch>
+        </p:blipFill>
+        <p:spPr bwMode="auto">
+          <a:xfrm>
+            <a:off x="0" y="571515"/>
+            <a:ext cx="9144000" cy="5143501"/>
+          </a:xfrm>
+          <a:prstGeom prst="rect">
+            <a:avLst/>
+          </a:prstGeom>
+          <a:noFill/>
+        </p:spPr>
+      </p:pic>
+    </p:spTree>
+  </p:cSld>
+  <p:clrMapOvr>
+    <a:masterClrMapping/>
+  </p:clrMapOvr>
+  <p:timing>
+    <p:tnLst>
+      <p:par>
+        <p:cTn id="1" dur="indefinite" restart="never" nodeType="tmRoot"/>
+      </p:par>
+    </p:tnLst>
+  </p:timing>
+</p:sld>
+</file>
+
+<file path=ppt/slides/slide18.xml><?xml version="1.0" encoding="utf-8"?>
+<p:sld xmlns:a="http://schemas.openxmlformats.org/drawingml/2006/main" xmlns:r="http://schemas.openxmlformats.org/officeDocument/2006/relationships" xmlns:p="http://schemas.openxmlformats.org/presentationml/2006/main">
+  <p:cSld>
+    <p:spTree>
+      <p:nvGrpSpPr>
+        <p:cNvPr id="1" name=""/>
+        <p:cNvGrpSpPr/>
+        <p:nvPr/>
+      </p:nvGrpSpPr>
+      <p:grpSpPr>
+        <a:xfrm>
+          <a:off x="0" y="0"/>
+          <a:ext cx="0" cy="0"/>
+          <a:chOff x="0" y="0"/>
+          <a:chExt cx="0" cy="0"/>
+        </a:xfrm>
+      </p:grpSpPr>
+      <p:pic>
+        <p:nvPicPr>
+          <p:cNvPr id="1032" name="Picture 8" descr="ç¸éåç"/>
+          <p:cNvPicPr>
+            <a:picLocks noChangeAspect="1" noChangeArrowheads="1"/>
+          </p:cNvPicPr>
+          <p:nvPr/>
+        </p:nvPicPr>
+        <p:blipFill>
+          <a:blip r:embed="rId2"/>
+          <a:srcRect/>
+          <a:stretch>
+            <a:fillRect/>
+          </a:stretch>
+        </p:blipFill>
+        <p:spPr bwMode="auto">
+          <a:xfrm>
+            <a:off x="0" y="0"/>
+            <a:ext cx="9144000" cy="6858000"/>
+          </a:xfrm>
+          <a:prstGeom prst="rect">
+            <a:avLst/>
+          </a:prstGeom>
+          <a:noFill/>
+        </p:spPr>
+      </p:pic>
+      <p:sp>
+        <p:nvSpPr>
+          <p:cNvPr id="3" name="內容版面配置區 2"/>
+          <p:cNvSpPr>
+            <a:spLocks noGrp="1"/>
+          </p:cNvSpPr>
+          <p:nvPr>
+            <p:ph idx="1"/>
+          </p:nvPr>
+        </p:nvSpPr>
+        <p:spPr>
+          <a:xfrm>
+            <a:off x="214282" y="1500174"/>
+            <a:ext cx="8643998" cy="4525963"/>
+          </a:xfrm>
+        </p:spPr>
+        <p:txBody>
+          <a:bodyPr>
+            <a:noAutofit/>
+          </a:bodyPr>
+          <a:lstStyle/>
+          <a:p>
+            <a:pPr>
+              <a:buNone/>
+            </a:pPr>
+            <a:r>
+              <a:rPr lang="en-US" sz="3800" b="1" dirty="0">
+                <a:solidFill>
+                  <a:srgbClr val="002060"/>
+                </a:solidFill>
+                <a:latin typeface="Arial Unicode MS" pitchFamily="34" charset="-120"/>
+                <a:ea typeface="Arial Unicode MS" pitchFamily="34" charset="-120"/>
+                <a:cs typeface="Arial Unicode MS" pitchFamily="34" charset="-120"/>
+              </a:rPr>
+              <a:t>He's got the whole world in His </a:t>
+            </a:r>
+            <a:r>
+              <a:rPr lang="en-US" sz="3800" b="1" dirty="0" smtClean="0">
+                <a:solidFill>
+                  <a:srgbClr val="002060"/>
+                </a:solidFill>
+                <a:latin typeface="Arial Unicode MS" pitchFamily="34" charset="-120"/>
+                <a:ea typeface="Arial Unicode MS" pitchFamily="34" charset="-120"/>
+                <a:cs typeface="Arial Unicode MS" pitchFamily="34" charset="-120"/>
+              </a:rPr>
+              <a:t>hands</a:t>
+            </a:r>
+          </a:p>
+          <a:p>
+            <a:pPr>
+              <a:buNone/>
+            </a:pPr>
+            <a:r>
+              <a:rPr lang="en-US" sz="3800" b="1" dirty="0" smtClean="0">
+                <a:solidFill>
+                  <a:srgbClr val="002060"/>
+                </a:solidFill>
+                <a:latin typeface="Arial Unicode MS" pitchFamily="34" charset="-120"/>
+                <a:ea typeface="Arial Unicode MS" pitchFamily="34" charset="-120"/>
+                <a:cs typeface="Arial Unicode MS" pitchFamily="34" charset="-120"/>
+              </a:rPr>
+              <a:t>He's </a:t>
+            </a:r>
+            <a:r>
+              <a:rPr lang="en-US" sz="3800" b="1" dirty="0">
+                <a:solidFill>
+                  <a:srgbClr val="002060"/>
+                </a:solidFill>
+                <a:latin typeface="Arial Unicode MS" pitchFamily="34" charset="-120"/>
+                <a:ea typeface="Arial Unicode MS" pitchFamily="34" charset="-120"/>
+                <a:cs typeface="Arial Unicode MS" pitchFamily="34" charset="-120"/>
+              </a:rPr>
+              <a:t>got the whole world in His </a:t>
+            </a:r>
+            <a:r>
+              <a:rPr lang="en-US" sz="3800" b="1" dirty="0" smtClean="0">
+                <a:solidFill>
+                  <a:srgbClr val="002060"/>
+                </a:solidFill>
+                <a:latin typeface="Arial Unicode MS" pitchFamily="34" charset="-120"/>
+                <a:ea typeface="Arial Unicode MS" pitchFamily="34" charset="-120"/>
+                <a:cs typeface="Arial Unicode MS" pitchFamily="34" charset="-120"/>
+              </a:rPr>
+              <a:t>hands</a:t>
+            </a:r>
+          </a:p>
+          <a:p>
+            <a:pPr>
+              <a:buNone/>
+            </a:pPr>
+            <a:r>
+              <a:rPr lang="en-US" sz="3800" b="1" dirty="0" smtClean="0">
+                <a:solidFill>
+                  <a:srgbClr val="002060"/>
+                </a:solidFill>
+                <a:latin typeface="Arial Unicode MS" pitchFamily="34" charset="-120"/>
+                <a:ea typeface="Arial Unicode MS" pitchFamily="34" charset="-120"/>
+                <a:cs typeface="Arial Unicode MS" pitchFamily="34" charset="-120"/>
+              </a:rPr>
+              <a:t>He's </a:t>
+            </a:r>
+            <a:r>
+              <a:rPr lang="en-US" sz="3800" b="1" dirty="0">
+                <a:solidFill>
+                  <a:srgbClr val="002060"/>
+                </a:solidFill>
+                <a:latin typeface="Arial Unicode MS" pitchFamily="34" charset="-120"/>
+                <a:ea typeface="Arial Unicode MS" pitchFamily="34" charset="-120"/>
+                <a:cs typeface="Arial Unicode MS" pitchFamily="34" charset="-120"/>
+              </a:rPr>
+              <a:t>got the whole world in His </a:t>
+            </a:r>
+            <a:r>
+              <a:rPr lang="en-US" sz="3800" b="1" dirty="0" smtClean="0">
+                <a:solidFill>
+                  <a:srgbClr val="002060"/>
+                </a:solidFill>
+                <a:latin typeface="Arial Unicode MS" pitchFamily="34" charset="-120"/>
+                <a:ea typeface="Arial Unicode MS" pitchFamily="34" charset="-120"/>
+                <a:cs typeface="Arial Unicode MS" pitchFamily="34" charset="-120"/>
+              </a:rPr>
+              <a:t>hands</a:t>
+            </a:r>
+          </a:p>
+          <a:p>
+            <a:pPr>
+              <a:buNone/>
+            </a:pPr>
+            <a:r>
+              <a:rPr lang="en-US" sz="3800" b="1" dirty="0" smtClean="0">
+                <a:solidFill>
+                  <a:srgbClr val="002060"/>
+                </a:solidFill>
+                <a:latin typeface="Arial Unicode MS" pitchFamily="34" charset="-120"/>
+                <a:ea typeface="Arial Unicode MS" pitchFamily="34" charset="-120"/>
+                <a:cs typeface="Arial Unicode MS" pitchFamily="34" charset="-120"/>
+              </a:rPr>
+              <a:t>He's </a:t>
+            </a:r>
+            <a:r>
+              <a:rPr lang="en-US" sz="3800" b="1" dirty="0">
+                <a:solidFill>
+                  <a:srgbClr val="002060"/>
+                </a:solidFill>
+                <a:latin typeface="Arial Unicode MS" pitchFamily="34" charset="-120"/>
+                <a:ea typeface="Arial Unicode MS" pitchFamily="34" charset="-120"/>
+                <a:cs typeface="Arial Unicode MS" pitchFamily="34" charset="-120"/>
+              </a:rPr>
+              <a:t>got the whole world in His hands.</a:t>
+            </a:r>
+            <a:endParaRPr lang="zh-TW" altLang="en-US" sz="3800" b="1" dirty="0">
+              <a:solidFill>
+                <a:srgbClr val="002060"/>
+              </a:solidFill>
+              <a:latin typeface="Arial Unicode MS" pitchFamily="34" charset="-120"/>
+              <a:ea typeface="Arial Unicode MS" pitchFamily="34" charset="-120"/>
+              <a:cs typeface="Arial Unicode MS" pitchFamily="34" charset="-120"/>
+            </a:endParaRPr>
+          </a:p>
+        </p:txBody>
+      </p:sp>
+    </p:spTree>
+  </p:cSld>
+  <p:clrMapOvr>
+    <a:masterClrMapping/>
+  </p:clrMapOvr>
+  <p:timing>
+    <p:tnLst>
+      <p:par>
+        <p:cTn id="1" dur="indefinite" restart="never" nodeType="tmRoot"/>
+      </p:par>
+    </p:tnLst>
+  </p:timing>
+</p:sld>
+</file>
+
+<file path=ppt/slides/slide19.xml><?xml version="1.0" encoding="utf-8"?>
+<p:sld xmlns:a="http://schemas.openxmlformats.org/drawingml/2006/main" xmlns:r="http://schemas.openxmlformats.org/officeDocument/2006/relationships" xmlns:p="http://schemas.openxmlformats.org/presentationml/2006/main">
+  <p:cSld>
+    <p:spTree>
+      <p:nvGrpSpPr>
+        <p:cNvPr id="1" name=""/>
+        <p:cNvGrpSpPr/>
+        <p:nvPr/>
+      </p:nvGrpSpPr>
+      <p:grpSpPr>
+        <a:xfrm>
+          <a:off x="0" y="0"/>
+          <a:ext cx="0" cy="0"/>
+          <a:chOff x="0" y="0"/>
+          <a:chExt cx="0" cy="0"/>
+        </a:xfrm>
+      </p:grpSpPr>
+      <p:pic>
+        <p:nvPicPr>
+          <p:cNvPr id="15362" name="Picture 2" descr="ç¸éåç"/>
+          <p:cNvPicPr>
+            <a:picLocks noChangeAspect="1" noChangeArrowheads="1"/>
+          </p:cNvPicPr>
+          <p:nvPr/>
+        </p:nvPicPr>
+        <p:blipFill>
+          <a:blip r:embed="rId2">
+            <a:lum bright="20000"/>
+          </a:blip>
+          <a:srcRect/>
+          <a:stretch>
+            <a:fillRect/>
+          </a:stretch>
+        </p:blipFill>
+        <p:spPr bwMode="auto">
+          <a:xfrm>
+            <a:off x="0" y="0"/>
+            <a:ext cx="9144000" cy="6858000"/>
+          </a:xfrm>
+          <a:prstGeom prst="rect">
+            <a:avLst/>
+          </a:prstGeom>
+          <a:noFill/>
+        </p:spPr>
+      </p:pic>
+      <p:sp>
+        <p:nvSpPr>
+          <p:cNvPr id="3" name="內容版面配置區 2"/>
+          <p:cNvSpPr>
+            <a:spLocks noGrp="1"/>
+          </p:cNvSpPr>
+          <p:nvPr>
+            <p:ph idx="1"/>
+          </p:nvPr>
+        </p:nvSpPr>
+        <p:spPr>
+          <a:xfrm>
+            <a:off x="214282" y="1357298"/>
+            <a:ext cx="8643998" cy="4525963"/>
+          </a:xfrm>
+        </p:spPr>
+        <p:txBody>
+          <a:bodyPr>
+            <a:noAutofit/>
+          </a:bodyPr>
+          <a:lstStyle/>
+          <a:p>
+            <a:pPr>
+              <a:buNone/>
+            </a:pPr>
+            <a:r>
+              <a:rPr lang="en-US" sz="3600" b="1" dirty="0">
+                <a:solidFill>
+                  <a:srgbClr val="00B0F0"/>
+                </a:solidFill>
+                <a:latin typeface="Arial Unicode MS" pitchFamily="34" charset="-120"/>
+                <a:ea typeface="Arial Unicode MS" pitchFamily="34" charset="-120"/>
+                <a:cs typeface="Arial Unicode MS" pitchFamily="34" charset="-120"/>
+              </a:rPr>
+              <a:t>He's got you and me, </a:t>
+            </a:r>
+            <a:r>
+              <a:rPr lang="en-US" sz="3600" b="1" dirty="0" smtClean="0">
+                <a:solidFill>
+                  <a:srgbClr val="00B0F0"/>
+                </a:solidFill>
+                <a:latin typeface="Arial Unicode MS" pitchFamily="34" charset="-120"/>
+                <a:ea typeface="Arial Unicode MS" pitchFamily="34" charset="-120"/>
+                <a:cs typeface="Arial Unicode MS" pitchFamily="34" charset="-120"/>
+              </a:rPr>
+              <a:t>daddy </a:t>
+            </a:r>
+            <a:r>
+              <a:rPr lang="en-US" sz="3600" b="1" dirty="0">
+                <a:solidFill>
+                  <a:srgbClr val="00B0F0"/>
+                </a:solidFill>
+                <a:latin typeface="Arial Unicode MS" pitchFamily="34" charset="-120"/>
+                <a:ea typeface="Arial Unicode MS" pitchFamily="34" charset="-120"/>
+                <a:cs typeface="Arial Unicode MS" pitchFamily="34" charset="-120"/>
+              </a:rPr>
+              <a:t>in His </a:t>
+            </a:r>
+            <a:r>
+              <a:rPr lang="en-US" sz="3600" b="1" dirty="0" smtClean="0">
+                <a:solidFill>
+                  <a:srgbClr val="00B0F0"/>
+                </a:solidFill>
+                <a:latin typeface="Arial Unicode MS" pitchFamily="34" charset="-120"/>
+                <a:ea typeface="Arial Unicode MS" pitchFamily="34" charset="-120"/>
+                <a:cs typeface="Arial Unicode MS" pitchFamily="34" charset="-120"/>
+              </a:rPr>
+              <a:t>hands</a:t>
+            </a:r>
+          </a:p>
+          <a:p>
+            <a:pPr>
+              <a:buNone/>
+            </a:pPr>
+            <a:r>
+              <a:rPr lang="en-US" sz="3600" b="1" dirty="0" smtClean="0">
+                <a:solidFill>
+                  <a:srgbClr val="00B0F0"/>
+                </a:solidFill>
+                <a:latin typeface="Arial Unicode MS" pitchFamily="34" charset="-120"/>
+                <a:ea typeface="Arial Unicode MS" pitchFamily="34" charset="-120"/>
+                <a:cs typeface="Arial Unicode MS" pitchFamily="34" charset="-120"/>
+              </a:rPr>
+              <a:t>He's </a:t>
+            </a:r>
+            <a:r>
+              <a:rPr lang="en-US" sz="3600" b="1" dirty="0">
+                <a:solidFill>
+                  <a:srgbClr val="00B0F0"/>
+                </a:solidFill>
+                <a:latin typeface="Arial Unicode MS" pitchFamily="34" charset="-120"/>
+                <a:ea typeface="Arial Unicode MS" pitchFamily="34" charset="-120"/>
+                <a:cs typeface="Arial Unicode MS" pitchFamily="34" charset="-120"/>
+              </a:rPr>
+              <a:t>got you and me, </a:t>
+            </a:r>
+            <a:r>
+              <a:rPr lang="en-US" sz="3600" b="1" dirty="0" smtClean="0">
+                <a:solidFill>
+                  <a:srgbClr val="00B0F0"/>
+                </a:solidFill>
+                <a:latin typeface="Arial Unicode MS" pitchFamily="34" charset="-120"/>
+                <a:ea typeface="Arial Unicode MS" pitchFamily="34" charset="-120"/>
+                <a:cs typeface="Arial Unicode MS" pitchFamily="34" charset="-120"/>
+              </a:rPr>
+              <a:t>daddy </a:t>
+            </a:r>
+            <a:r>
+              <a:rPr lang="en-US" sz="3600" b="1" dirty="0">
+                <a:solidFill>
+                  <a:srgbClr val="00B0F0"/>
+                </a:solidFill>
+                <a:latin typeface="Arial Unicode MS" pitchFamily="34" charset="-120"/>
+                <a:ea typeface="Arial Unicode MS" pitchFamily="34" charset="-120"/>
+                <a:cs typeface="Arial Unicode MS" pitchFamily="34" charset="-120"/>
+              </a:rPr>
+              <a:t>in His </a:t>
+            </a:r>
+            <a:r>
+              <a:rPr lang="en-US" sz="3600" b="1" dirty="0" smtClean="0">
+                <a:solidFill>
+                  <a:srgbClr val="00B0F0"/>
+                </a:solidFill>
+                <a:latin typeface="Arial Unicode MS" pitchFamily="34" charset="-120"/>
+                <a:ea typeface="Arial Unicode MS" pitchFamily="34" charset="-120"/>
+                <a:cs typeface="Arial Unicode MS" pitchFamily="34" charset="-120"/>
+              </a:rPr>
+              <a:t>hands</a:t>
+            </a:r>
+          </a:p>
+          <a:p>
+            <a:pPr>
+              <a:buNone/>
+            </a:pPr>
+            <a:r>
+              <a:rPr lang="en-US" sz="3600" b="1" dirty="0" smtClean="0">
+                <a:solidFill>
+                  <a:srgbClr val="00B0F0"/>
+                </a:solidFill>
+                <a:latin typeface="Arial Unicode MS" pitchFamily="34" charset="-120"/>
+                <a:ea typeface="Arial Unicode MS" pitchFamily="34" charset="-120"/>
+                <a:cs typeface="Arial Unicode MS" pitchFamily="34" charset="-120"/>
+              </a:rPr>
+              <a:t>He's </a:t>
+            </a:r>
+            <a:r>
+              <a:rPr lang="en-US" sz="3600" b="1" dirty="0">
+                <a:solidFill>
+                  <a:srgbClr val="00B0F0"/>
+                </a:solidFill>
+                <a:latin typeface="Arial Unicode MS" pitchFamily="34" charset="-120"/>
+                <a:ea typeface="Arial Unicode MS" pitchFamily="34" charset="-120"/>
+                <a:cs typeface="Arial Unicode MS" pitchFamily="34" charset="-120"/>
+              </a:rPr>
+              <a:t>got you and me, </a:t>
+            </a:r>
+            <a:r>
+              <a:rPr lang="en-US" sz="3600" b="1" dirty="0" smtClean="0">
+                <a:solidFill>
+                  <a:srgbClr val="00B0F0"/>
+                </a:solidFill>
+                <a:latin typeface="Arial Unicode MS" pitchFamily="34" charset="-120"/>
+                <a:ea typeface="Arial Unicode MS" pitchFamily="34" charset="-120"/>
+                <a:cs typeface="Arial Unicode MS" pitchFamily="34" charset="-120"/>
+              </a:rPr>
+              <a:t>daddy </a:t>
+            </a:r>
+            <a:r>
+              <a:rPr lang="en-US" sz="3600" b="1" dirty="0">
+                <a:solidFill>
+                  <a:srgbClr val="00B0F0"/>
+                </a:solidFill>
+                <a:latin typeface="Arial Unicode MS" pitchFamily="34" charset="-120"/>
+                <a:ea typeface="Arial Unicode MS" pitchFamily="34" charset="-120"/>
+                <a:cs typeface="Arial Unicode MS" pitchFamily="34" charset="-120"/>
+              </a:rPr>
+              <a:t>in His </a:t>
+            </a:r>
+            <a:r>
+              <a:rPr lang="en-US" sz="3600" b="1" dirty="0" smtClean="0">
+                <a:solidFill>
+                  <a:srgbClr val="00B0F0"/>
+                </a:solidFill>
+                <a:latin typeface="Arial Unicode MS" pitchFamily="34" charset="-120"/>
+                <a:ea typeface="Arial Unicode MS" pitchFamily="34" charset="-120"/>
+                <a:cs typeface="Arial Unicode MS" pitchFamily="34" charset="-120"/>
+              </a:rPr>
+              <a:t>hands</a:t>
+            </a:r>
+          </a:p>
+          <a:p>
+            <a:pPr>
+              <a:buNone/>
+            </a:pPr>
+            <a:r>
+              <a:rPr lang="en-US" sz="3600" b="1" dirty="0" smtClean="0">
+                <a:solidFill>
+                  <a:srgbClr val="00B0F0"/>
+                </a:solidFill>
+                <a:latin typeface="Arial Unicode MS" pitchFamily="34" charset="-120"/>
+                <a:ea typeface="Arial Unicode MS" pitchFamily="34" charset="-120"/>
+                <a:cs typeface="Arial Unicode MS" pitchFamily="34" charset="-120"/>
+              </a:rPr>
+              <a:t>He's </a:t>
+            </a:r>
+            <a:r>
+              <a:rPr lang="en-US" sz="3600" b="1" dirty="0">
+                <a:solidFill>
+                  <a:srgbClr val="00B0F0"/>
+                </a:solidFill>
+                <a:latin typeface="Arial Unicode MS" pitchFamily="34" charset="-120"/>
+                <a:ea typeface="Arial Unicode MS" pitchFamily="34" charset="-120"/>
+                <a:cs typeface="Arial Unicode MS" pitchFamily="34" charset="-120"/>
+              </a:rPr>
+              <a:t>got the whole world in His hands</a:t>
+            </a:r>
+            <a:r>
+              <a:rPr lang="en-US" sz="3600" b="1" dirty="0" smtClean="0">
+                <a:solidFill>
+                  <a:srgbClr val="00B0F0"/>
+                </a:solidFill>
+                <a:latin typeface="Arial Unicode MS" pitchFamily="34" charset="-120"/>
+                <a:ea typeface="Arial Unicode MS" pitchFamily="34" charset="-120"/>
+                <a:cs typeface="Arial Unicode MS" pitchFamily="34" charset="-120"/>
+              </a:rPr>
+              <a:t>.</a:t>
+            </a:r>
+            <a:endParaRPr lang="zh-TW" altLang="en-US" sz="3600" b="1" dirty="0">
+              <a:solidFill>
+                <a:srgbClr val="00B0F0"/>
+              </a:solidFill>
+              <a:latin typeface="Arial Unicode MS" pitchFamily="34" charset="-120"/>
+              <a:ea typeface="Arial Unicode MS" pitchFamily="34" charset="-120"/>
+              <a:cs typeface="Arial Unicode MS" pitchFamily="34" charset="-120"/>
+            </a:endParaRPr>
+          </a:p>
+        </p:txBody>
+      </p:sp>
+    </p:spTree>
+  </p:cSld>
+  <p:clrMapOvr>
+    <a:masterClrMapping/>
+  </p:clrMapOvr>
+  <p:timing>
+    <p:tnLst>
+      <p:par>
+        <p:cTn id="1" dur="indefinite" restart="never" nodeType="tmRoot"/>
+      </p:par>
+    </p:tnLst>
+  </p:timing>
 </p:sld>
 </file>
 
@@ -4203,7 +5430,7 @@
                 <a:ea typeface="Arial Unicode MS" pitchFamily="34" charset="-120"/>
                 <a:cs typeface="Arial Unicode MS" pitchFamily="34" charset="-120"/>
               </a:rPr>
-              <a:t>thấp</a:t>
+              <a:t>khiêm</a:t>
             </a:r>
             <a:r>
               <a:rPr lang="en-US" sz="4000" b="1" dirty="0" smtClean="0">
@@ -4219,7 +5446,7 @@
                 <a:ea typeface="Arial Unicode MS" pitchFamily="34" charset="-120"/>
                 <a:cs typeface="Arial Unicode MS" pitchFamily="34" charset="-120"/>
               </a:rPr>
-              <a:t>xuống</a:t>
+              <a:t>nhường</a:t>
             </a:r>
             <a:endParaRPr lang="en-US" sz="4000" b="1" dirty="0" smtClean="0">
               <a:latin typeface="Arial Unicode MS" pitchFamily="34" charset="-120"/>
@@ -4604,6 +5831,597 @@
               <a:t>đến</a:t>
             </a:r>
             <a:endParaRPr lang="en-US" sz="4000" b="1" dirty="0" smtClean="0">
+              <a:latin typeface="Arial Unicode MS" pitchFamily="34" charset="-120"/>
+              <a:ea typeface="Arial Unicode MS" pitchFamily="34" charset="-120"/>
+              <a:cs typeface="Arial Unicode MS" pitchFamily="34" charset="-120"/>
+            </a:endParaRPr>
+          </a:p>
+        </p:txBody>
+      </p:sp>
+    </p:spTree>
+  </p:cSld>
+  <p:clrMapOvr>
+    <a:masterClrMapping/>
+  </p:clrMapOvr>
+  <p:timing>
+    <p:tnLst>
+      <p:par>
+        <p:cTn id="1" dur="indefinite" restart="never" nodeType="tmRoot"/>
+      </p:par>
+    </p:tnLst>
+  </p:timing>
+</p:sld>
+</file>
+
+<file path=ppt/slides/slide20.xml><?xml version="1.0" encoding="utf-8"?>
+<p:sld xmlns:a="http://schemas.openxmlformats.org/drawingml/2006/main" xmlns:r="http://schemas.openxmlformats.org/officeDocument/2006/relationships" xmlns:p="http://schemas.openxmlformats.org/presentationml/2006/main">
+  <p:cSld>
+    <p:spTree>
+      <p:nvGrpSpPr>
+        <p:cNvPr id="1" name=""/>
+        <p:cNvGrpSpPr/>
+        <p:nvPr/>
+      </p:nvGrpSpPr>
+      <p:grpSpPr>
+        <a:xfrm>
+          <a:off x="0" y="0"/>
+          <a:ext cx="0" cy="0"/>
+          <a:chOff x="0" y="0"/>
+          <a:chExt cx="0" cy="0"/>
+        </a:xfrm>
+      </p:grpSpPr>
+      <p:pic>
+        <p:nvPicPr>
+          <p:cNvPr id="17410" name="Picture 2" descr="ç¸éåç"/>
+          <p:cNvPicPr>
+            <a:picLocks noChangeAspect="1" noChangeArrowheads="1"/>
+          </p:cNvPicPr>
+          <p:nvPr/>
+        </p:nvPicPr>
+        <p:blipFill>
+          <a:blip r:embed="rId2"/>
+          <a:srcRect/>
+          <a:stretch>
+            <a:fillRect/>
+          </a:stretch>
+        </p:blipFill>
+        <p:spPr bwMode="auto">
+          <a:xfrm>
+            <a:off x="0" y="0"/>
+            <a:ext cx="9144000" cy="6850968"/>
+          </a:xfrm>
+          <a:prstGeom prst="rect">
+            <a:avLst/>
+          </a:prstGeom>
+          <a:noFill/>
+        </p:spPr>
+      </p:pic>
+      <p:sp>
+        <p:nvSpPr>
+          <p:cNvPr id="3" name="內容版面配置區 2"/>
+          <p:cNvSpPr>
+            <a:spLocks noGrp="1"/>
+          </p:cNvSpPr>
+          <p:nvPr>
+            <p:ph idx="1"/>
+          </p:nvPr>
+        </p:nvSpPr>
+        <p:spPr>
+          <a:xfrm>
+            <a:off x="142876" y="1617681"/>
+            <a:ext cx="8929718" cy="4525963"/>
+          </a:xfrm>
+        </p:spPr>
+        <p:txBody>
+          <a:bodyPr>
+            <a:noAutofit/>
+          </a:bodyPr>
+          <a:lstStyle/>
+          <a:p>
+            <a:pPr>
+              <a:buNone/>
+            </a:pPr>
+            <a:r>
+              <a:rPr lang="en-US" sz="3500" b="1" dirty="0">
+                <a:solidFill>
+                  <a:srgbClr val="C00000"/>
+                </a:solidFill>
+                <a:latin typeface="Arial Unicode MS" pitchFamily="34" charset="-120"/>
+                <a:ea typeface="Arial Unicode MS" pitchFamily="34" charset="-120"/>
+                <a:cs typeface="Arial Unicode MS" pitchFamily="34" charset="-120"/>
+              </a:rPr>
+              <a:t>He's got you and me, </a:t>
+            </a:r>
+            <a:r>
+              <a:rPr lang="en-US" sz="3500" b="1" dirty="0" smtClean="0">
+                <a:solidFill>
+                  <a:srgbClr val="C00000"/>
+                </a:solidFill>
+                <a:latin typeface="Arial Unicode MS" pitchFamily="34" charset="-120"/>
+                <a:ea typeface="Arial Unicode MS" pitchFamily="34" charset="-120"/>
+                <a:cs typeface="Arial Unicode MS" pitchFamily="34" charset="-120"/>
+              </a:rPr>
+              <a:t>mommy </a:t>
+            </a:r>
+            <a:r>
+              <a:rPr lang="en-US" sz="3500" b="1" dirty="0">
+                <a:solidFill>
+                  <a:srgbClr val="C00000"/>
+                </a:solidFill>
+                <a:latin typeface="Arial Unicode MS" pitchFamily="34" charset="-120"/>
+                <a:ea typeface="Arial Unicode MS" pitchFamily="34" charset="-120"/>
+                <a:cs typeface="Arial Unicode MS" pitchFamily="34" charset="-120"/>
+              </a:rPr>
+              <a:t>in His </a:t>
+            </a:r>
+            <a:r>
+              <a:rPr lang="en-US" sz="3500" b="1" dirty="0" smtClean="0">
+                <a:solidFill>
+                  <a:srgbClr val="C00000"/>
+                </a:solidFill>
+                <a:latin typeface="Arial Unicode MS" pitchFamily="34" charset="-120"/>
+                <a:ea typeface="Arial Unicode MS" pitchFamily="34" charset="-120"/>
+                <a:cs typeface="Arial Unicode MS" pitchFamily="34" charset="-120"/>
+              </a:rPr>
+              <a:t>hands,</a:t>
+            </a:r>
+          </a:p>
+          <a:p>
+            <a:pPr>
+              <a:buNone/>
+            </a:pPr>
+            <a:r>
+              <a:rPr lang="en-US" sz="3500" b="1" dirty="0" smtClean="0">
+                <a:solidFill>
+                  <a:srgbClr val="C00000"/>
+                </a:solidFill>
+                <a:latin typeface="Arial Unicode MS" pitchFamily="34" charset="-120"/>
+                <a:ea typeface="Arial Unicode MS" pitchFamily="34" charset="-120"/>
+                <a:cs typeface="Arial Unicode MS" pitchFamily="34" charset="-120"/>
+              </a:rPr>
+              <a:t>He's </a:t>
+            </a:r>
+            <a:r>
+              <a:rPr lang="en-US" sz="3500" b="1" dirty="0">
+                <a:solidFill>
+                  <a:srgbClr val="C00000"/>
+                </a:solidFill>
+                <a:latin typeface="Arial Unicode MS" pitchFamily="34" charset="-120"/>
+                <a:ea typeface="Arial Unicode MS" pitchFamily="34" charset="-120"/>
+                <a:cs typeface="Arial Unicode MS" pitchFamily="34" charset="-120"/>
+              </a:rPr>
+              <a:t>got you and me, </a:t>
+            </a:r>
+            <a:r>
+              <a:rPr lang="en-US" sz="3500" b="1" dirty="0" smtClean="0">
+                <a:solidFill>
+                  <a:srgbClr val="C00000"/>
+                </a:solidFill>
+                <a:latin typeface="Arial Unicode MS" pitchFamily="34" charset="-120"/>
+                <a:ea typeface="Arial Unicode MS" pitchFamily="34" charset="-120"/>
+                <a:cs typeface="Arial Unicode MS" pitchFamily="34" charset="-120"/>
+              </a:rPr>
+              <a:t>mommy </a:t>
+            </a:r>
+            <a:r>
+              <a:rPr lang="en-US" sz="3500" b="1" dirty="0">
+                <a:solidFill>
+                  <a:srgbClr val="C00000"/>
+                </a:solidFill>
+                <a:latin typeface="Arial Unicode MS" pitchFamily="34" charset="-120"/>
+                <a:ea typeface="Arial Unicode MS" pitchFamily="34" charset="-120"/>
+                <a:cs typeface="Arial Unicode MS" pitchFamily="34" charset="-120"/>
+              </a:rPr>
+              <a:t>in His </a:t>
+            </a:r>
+            <a:r>
+              <a:rPr lang="en-US" sz="3500" b="1" dirty="0" smtClean="0">
+                <a:solidFill>
+                  <a:srgbClr val="C00000"/>
+                </a:solidFill>
+                <a:latin typeface="Arial Unicode MS" pitchFamily="34" charset="-120"/>
+                <a:ea typeface="Arial Unicode MS" pitchFamily="34" charset="-120"/>
+                <a:cs typeface="Arial Unicode MS" pitchFamily="34" charset="-120"/>
+              </a:rPr>
+              <a:t>hands,</a:t>
+            </a:r>
+          </a:p>
+          <a:p>
+            <a:pPr>
+              <a:buNone/>
+            </a:pPr>
+            <a:r>
+              <a:rPr lang="en-US" sz="3500" b="1" dirty="0" smtClean="0">
+                <a:solidFill>
+                  <a:srgbClr val="C00000"/>
+                </a:solidFill>
+                <a:latin typeface="Arial Unicode MS" pitchFamily="34" charset="-120"/>
+                <a:ea typeface="Arial Unicode MS" pitchFamily="34" charset="-120"/>
+                <a:cs typeface="Arial Unicode MS" pitchFamily="34" charset="-120"/>
+              </a:rPr>
+              <a:t>He's </a:t>
+            </a:r>
+            <a:r>
+              <a:rPr lang="en-US" sz="3500" b="1" dirty="0">
+                <a:solidFill>
+                  <a:srgbClr val="C00000"/>
+                </a:solidFill>
+                <a:latin typeface="Arial Unicode MS" pitchFamily="34" charset="-120"/>
+                <a:ea typeface="Arial Unicode MS" pitchFamily="34" charset="-120"/>
+                <a:cs typeface="Arial Unicode MS" pitchFamily="34" charset="-120"/>
+              </a:rPr>
+              <a:t>got you and me, </a:t>
+            </a:r>
+            <a:r>
+              <a:rPr lang="en-US" sz="3500" b="1" dirty="0" smtClean="0">
+                <a:solidFill>
+                  <a:srgbClr val="C00000"/>
+                </a:solidFill>
+                <a:latin typeface="Arial Unicode MS" pitchFamily="34" charset="-120"/>
+                <a:ea typeface="Arial Unicode MS" pitchFamily="34" charset="-120"/>
+                <a:cs typeface="Arial Unicode MS" pitchFamily="34" charset="-120"/>
+              </a:rPr>
+              <a:t>mommy </a:t>
+            </a:r>
+            <a:r>
+              <a:rPr lang="en-US" sz="3500" b="1" dirty="0">
+                <a:solidFill>
+                  <a:srgbClr val="C00000"/>
+                </a:solidFill>
+                <a:latin typeface="Arial Unicode MS" pitchFamily="34" charset="-120"/>
+                <a:ea typeface="Arial Unicode MS" pitchFamily="34" charset="-120"/>
+                <a:cs typeface="Arial Unicode MS" pitchFamily="34" charset="-120"/>
+              </a:rPr>
+              <a:t>in His </a:t>
+            </a:r>
+            <a:r>
+              <a:rPr lang="en-US" sz="3500" b="1" dirty="0" smtClean="0">
+                <a:solidFill>
+                  <a:srgbClr val="C00000"/>
+                </a:solidFill>
+                <a:latin typeface="Arial Unicode MS" pitchFamily="34" charset="-120"/>
+                <a:ea typeface="Arial Unicode MS" pitchFamily="34" charset="-120"/>
+                <a:cs typeface="Arial Unicode MS" pitchFamily="34" charset="-120"/>
+              </a:rPr>
+              <a:t>hands,</a:t>
+            </a:r>
+          </a:p>
+          <a:p>
+            <a:pPr>
+              <a:buNone/>
+            </a:pPr>
+            <a:r>
+              <a:rPr lang="en-US" sz="3500" b="1" dirty="0" smtClean="0">
+                <a:solidFill>
+                  <a:srgbClr val="C00000"/>
+                </a:solidFill>
+                <a:latin typeface="Arial Unicode MS" pitchFamily="34" charset="-120"/>
+                <a:ea typeface="Arial Unicode MS" pitchFamily="34" charset="-120"/>
+                <a:cs typeface="Arial Unicode MS" pitchFamily="34" charset="-120"/>
+              </a:rPr>
+              <a:t>He's </a:t>
+            </a:r>
+            <a:r>
+              <a:rPr lang="en-US" sz="3500" b="1" dirty="0">
+                <a:solidFill>
+                  <a:srgbClr val="C00000"/>
+                </a:solidFill>
+                <a:latin typeface="Arial Unicode MS" pitchFamily="34" charset="-120"/>
+                <a:ea typeface="Arial Unicode MS" pitchFamily="34" charset="-120"/>
+                <a:cs typeface="Arial Unicode MS" pitchFamily="34" charset="-120"/>
+              </a:rPr>
+              <a:t>got the whole world in His hands. </a:t>
+            </a:r>
+            <a:endParaRPr lang="zh-TW" altLang="en-US" sz="3500" b="1" dirty="0">
+              <a:solidFill>
+                <a:srgbClr val="C00000"/>
+              </a:solidFill>
+              <a:latin typeface="Arial Unicode MS" pitchFamily="34" charset="-120"/>
+              <a:ea typeface="Arial Unicode MS" pitchFamily="34" charset="-120"/>
+              <a:cs typeface="Arial Unicode MS" pitchFamily="34" charset="-120"/>
+            </a:endParaRPr>
+          </a:p>
+        </p:txBody>
+      </p:sp>
+    </p:spTree>
+  </p:cSld>
+  <p:clrMapOvr>
+    <a:masterClrMapping/>
+  </p:clrMapOvr>
+  <p:timing>
+    <p:tnLst>
+      <p:par>
+        <p:cTn id="1" dur="indefinite" restart="never" nodeType="tmRoot"/>
+      </p:par>
+    </p:tnLst>
+  </p:timing>
+</p:sld>
+</file>
+
+<file path=ppt/slides/slide21.xml><?xml version="1.0" encoding="utf-8"?>
+<p:sld xmlns:a="http://schemas.openxmlformats.org/drawingml/2006/main" xmlns:r="http://schemas.openxmlformats.org/officeDocument/2006/relationships" xmlns:p="http://schemas.openxmlformats.org/presentationml/2006/main">
+  <p:cSld>
+    <p:spTree>
+      <p:nvGrpSpPr>
+        <p:cNvPr id="1" name=""/>
+        <p:cNvGrpSpPr/>
+        <p:nvPr/>
+      </p:nvGrpSpPr>
+      <p:grpSpPr>
+        <a:xfrm>
+          <a:off x="0" y="0"/>
+          <a:ext cx="0" cy="0"/>
+          <a:chOff x="0" y="0"/>
+          <a:chExt cx="0" cy="0"/>
+        </a:xfrm>
+      </p:grpSpPr>
+      <p:pic>
+        <p:nvPicPr>
+          <p:cNvPr id="1032" name="Picture 8" descr="ç¸éåç"/>
+          <p:cNvPicPr>
+            <a:picLocks noChangeAspect="1" noChangeArrowheads="1"/>
+          </p:cNvPicPr>
+          <p:nvPr/>
+        </p:nvPicPr>
+        <p:blipFill>
+          <a:blip r:embed="rId2"/>
+          <a:srcRect/>
+          <a:stretch>
+            <a:fillRect/>
+          </a:stretch>
+        </p:blipFill>
+        <p:spPr bwMode="auto">
+          <a:xfrm>
+            <a:off x="0" y="-24"/>
+            <a:ext cx="9144000" cy="6858000"/>
+          </a:xfrm>
+          <a:prstGeom prst="rect">
+            <a:avLst/>
+          </a:prstGeom>
+          <a:noFill/>
+        </p:spPr>
+      </p:pic>
+      <p:sp>
+        <p:nvSpPr>
+          <p:cNvPr id="5" name="內容版面配置區 2"/>
+          <p:cNvSpPr txBox="1">
+            <a:spLocks/>
+          </p:cNvSpPr>
+          <p:nvPr/>
+        </p:nvSpPr>
+        <p:spPr>
+          <a:xfrm>
+            <a:off x="214282" y="1428736"/>
+            <a:ext cx="8929718" cy="4525963"/>
+          </a:xfrm>
+          <a:prstGeom prst="rect">
+            <a:avLst/>
+          </a:prstGeom>
+        </p:spPr>
+        <p:txBody>
+          <a:bodyPr vert="horz" lIns="91440" tIns="45720" rIns="91440" bIns="45720" rtlCol="0">
+            <a:noAutofit/>
+          </a:bodyPr>
+          <a:lstStyle/>
+          <a:p>
+            <a:pPr marL="342900" marR="0" lvl="0" indent="-342900" algn="l" defTabSz="914400" rtl="0" eaLnBrk="1" fontAlgn="auto" latinLnBrk="0" hangingPunct="1">
+              <a:lnSpc>
+                <a:spcPct val="100000"/>
+              </a:lnSpc>
+              <a:spcBef>
+                <a:spcPct val="20000"/>
+              </a:spcBef>
+              <a:spcAft>
+                <a:spcPts val="0"/>
+              </a:spcAft>
+              <a:buClrTx/>
+              <a:buSzTx/>
+              <a:buFont typeface="Arial" pitchFamily="34" charset="0"/>
+              <a:buNone/>
+              <a:tabLst/>
+              <a:defRPr/>
+            </a:pPr>
+            <a:r>
+              <a:rPr kumimoji="0" lang="en-US" sz="3700" b="1" i="0" u="none" strike="noStrike" kern="1200" cap="none" spc="0" normalizeH="0" baseline="0" noProof="0" dirty="0" smtClean="0">
+                <a:ln>
+                  <a:noFill/>
+                </a:ln>
+                <a:solidFill>
+                  <a:srgbClr val="002060"/>
+                </a:solidFill>
+                <a:effectLst/>
+                <a:uLnTx/>
+                <a:uFillTx/>
+                <a:latin typeface="Arial Unicode MS" pitchFamily="34" charset="-120"/>
+                <a:ea typeface="Arial Unicode MS" pitchFamily="34" charset="-120"/>
+                <a:cs typeface="Arial Unicode MS" pitchFamily="34" charset="-120"/>
+              </a:rPr>
+              <a:t>He's got you and me, family in His hands,</a:t>
+            </a:r>
+          </a:p>
+          <a:p>
+            <a:pPr marL="342900" lvl="0" indent="-342900">
+              <a:spcBef>
+                <a:spcPct val="20000"/>
+              </a:spcBef>
+            </a:pPr>
+            <a:r>
+              <a:rPr kumimoji="0" lang="en-US" sz="3700" b="1" i="0" u="none" strike="noStrike" kern="1200" cap="none" spc="0" normalizeH="0" baseline="0" noProof="0" dirty="0" smtClean="0">
+                <a:ln>
+                  <a:noFill/>
+                </a:ln>
+                <a:solidFill>
+                  <a:srgbClr val="002060"/>
+                </a:solidFill>
+                <a:effectLst/>
+                <a:uLnTx/>
+                <a:uFillTx/>
+                <a:latin typeface="Arial Unicode MS" pitchFamily="34" charset="-120"/>
+                <a:ea typeface="Arial Unicode MS" pitchFamily="34" charset="-120"/>
+                <a:cs typeface="Arial Unicode MS" pitchFamily="34" charset="-120"/>
+              </a:rPr>
+              <a:t>He's got you </a:t>
+            </a:r>
+            <a:r>
+              <a:rPr kumimoji="0" lang="en-US" sz="4000" b="1" i="0" u="none" strike="noStrike" kern="1200" cap="none" spc="0" normalizeH="0" baseline="0" noProof="0" dirty="0" smtClean="0">
+                <a:ln>
+                  <a:noFill/>
+                </a:ln>
+                <a:solidFill>
+                  <a:srgbClr val="002060"/>
+                </a:solidFill>
+                <a:effectLst/>
+                <a:uLnTx/>
+                <a:uFillTx/>
+                <a:latin typeface="Arial Unicode MS" pitchFamily="34" charset="-120"/>
+                <a:ea typeface="Arial Unicode MS" pitchFamily="34" charset="-120"/>
+                <a:cs typeface="Arial Unicode MS" pitchFamily="34" charset="-120"/>
+              </a:rPr>
+              <a:t>and</a:t>
+            </a:r>
+            <a:r>
+              <a:rPr kumimoji="0" lang="en-US" sz="3700" b="1" i="0" u="none" strike="noStrike" kern="1200" cap="none" spc="0" normalizeH="0" baseline="0" noProof="0" dirty="0" smtClean="0">
+                <a:ln>
+                  <a:noFill/>
+                </a:ln>
+                <a:solidFill>
+                  <a:srgbClr val="002060"/>
+                </a:solidFill>
+                <a:effectLst/>
+                <a:uLnTx/>
+                <a:uFillTx/>
+                <a:latin typeface="Arial Unicode MS" pitchFamily="34" charset="-120"/>
+                <a:ea typeface="Arial Unicode MS" pitchFamily="34" charset="-120"/>
+                <a:cs typeface="Arial Unicode MS" pitchFamily="34" charset="-120"/>
+              </a:rPr>
+              <a:t> me</a:t>
+            </a:r>
+            <a:r>
+              <a:rPr lang="en-US" sz="3700" b="1" dirty="0">
+                <a:solidFill>
+                  <a:srgbClr val="002060"/>
+                </a:solidFill>
+                <a:latin typeface="Arial Unicode MS" pitchFamily="34" charset="-120"/>
+                <a:ea typeface="Arial Unicode MS" pitchFamily="34" charset="-120"/>
+                <a:cs typeface="Arial Unicode MS" pitchFamily="34" charset="-120"/>
+              </a:rPr>
+              <a:t>, family </a:t>
+            </a:r>
+            <a:r>
+              <a:rPr kumimoji="0" lang="en-US" sz="3700" b="1" i="0" u="none" strike="noStrike" kern="1200" cap="none" spc="0" normalizeH="0" baseline="0" noProof="0" dirty="0" smtClean="0">
+                <a:ln>
+                  <a:noFill/>
+                </a:ln>
+                <a:solidFill>
+                  <a:srgbClr val="002060"/>
+                </a:solidFill>
+                <a:effectLst/>
+                <a:uLnTx/>
+                <a:uFillTx/>
+                <a:latin typeface="Arial Unicode MS" pitchFamily="34" charset="-120"/>
+                <a:ea typeface="Arial Unicode MS" pitchFamily="34" charset="-120"/>
+                <a:cs typeface="Arial Unicode MS" pitchFamily="34" charset="-120"/>
+              </a:rPr>
+              <a:t>in His hands,</a:t>
+            </a:r>
+          </a:p>
+          <a:p>
+            <a:pPr marL="342900" lvl="0" indent="-342900">
+              <a:spcBef>
+                <a:spcPct val="20000"/>
+              </a:spcBef>
+            </a:pPr>
+            <a:r>
+              <a:rPr kumimoji="0" lang="en-US" sz="3700" b="1" i="0" u="none" strike="noStrike" kern="1200" cap="none" spc="0" normalizeH="0" baseline="0" noProof="0" dirty="0" smtClean="0">
+                <a:ln>
+                  <a:noFill/>
+                </a:ln>
+                <a:solidFill>
+                  <a:srgbClr val="002060"/>
+                </a:solidFill>
+                <a:effectLst/>
+                <a:uLnTx/>
+                <a:uFillTx/>
+                <a:latin typeface="Arial Unicode MS" pitchFamily="34" charset="-120"/>
+                <a:ea typeface="Arial Unicode MS" pitchFamily="34" charset="-120"/>
+                <a:cs typeface="Arial Unicode MS" pitchFamily="34" charset="-120"/>
+              </a:rPr>
+              <a:t>He's got you and me</a:t>
+            </a:r>
+            <a:r>
+              <a:rPr lang="en-US" sz="3700" b="1" dirty="0">
+                <a:solidFill>
+                  <a:srgbClr val="002060"/>
+                </a:solidFill>
+                <a:latin typeface="Arial Unicode MS" pitchFamily="34" charset="-120"/>
+                <a:ea typeface="Arial Unicode MS" pitchFamily="34" charset="-120"/>
+                <a:cs typeface="Arial Unicode MS" pitchFamily="34" charset="-120"/>
+              </a:rPr>
+              <a:t>, family </a:t>
+            </a:r>
+            <a:r>
+              <a:rPr kumimoji="0" lang="en-US" sz="3700" b="1" i="0" u="none" strike="noStrike" kern="1200" cap="none" spc="0" normalizeH="0" baseline="0" noProof="0" dirty="0" smtClean="0">
+                <a:ln>
+                  <a:noFill/>
+                </a:ln>
+                <a:solidFill>
+                  <a:srgbClr val="002060"/>
+                </a:solidFill>
+                <a:effectLst/>
+                <a:uLnTx/>
+                <a:uFillTx/>
+                <a:latin typeface="Arial Unicode MS" pitchFamily="34" charset="-120"/>
+                <a:ea typeface="Arial Unicode MS" pitchFamily="34" charset="-120"/>
+                <a:cs typeface="Arial Unicode MS" pitchFamily="34" charset="-120"/>
+              </a:rPr>
+              <a:t>in His hands,</a:t>
+            </a:r>
+          </a:p>
+          <a:p>
+            <a:pPr marL="342900" marR="0" lvl="0" indent="-342900" algn="l" defTabSz="914400" rtl="0" eaLnBrk="1" fontAlgn="auto" latinLnBrk="0" hangingPunct="1">
+              <a:lnSpc>
+                <a:spcPct val="100000"/>
+              </a:lnSpc>
+              <a:spcBef>
+                <a:spcPct val="20000"/>
+              </a:spcBef>
+              <a:spcAft>
+                <a:spcPts val="0"/>
+              </a:spcAft>
+              <a:buClrTx/>
+              <a:buSzTx/>
+              <a:buFont typeface="Arial" pitchFamily="34" charset="0"/>
+              <a:buNone/>
+              <a:tabLst/>
+              <a:defRPr/>
+            </a:pPr>
+            <a:r>
+              <a:rPr kumimoji="0" lang="en-US" sz="3700" b="1" i="0" u="none" strike="noStrike" kern="1200" cap="none" spc="0" normalizeH="0" baseline="0" noProof="0" dirty="0" smtClean="0">
+                <a:ln>
+                  <a:noFill/>
+                </a:ln>
+                <a:solidFill>
+                  <a:srgbClr val="002060"/>
+                </a:solidFill>
+                <a:effectLst/>
+                <a:uLnTx/>
+                <a:uFillTx/>
+                <a:latin typeface="Arial Unicode MS" pitchFamily="34" charset="-120"/>
+                <a:ea typeface="Arial Unicode MS" pitchFamily="34" charset="-120"/>
+                <a:cs typeface="Arial Unicode MS" pitchFamily="34" charset="-120"/>
+              </a:rPr>
+              <a:t>He's got the whole world in His hands. </a:t>
+            </a:r>
+            <a:endParaRPr kumimoji="0" lang="zh-TW" altLang="en-US" sz="3700" b="1" i="0" u="none" strike="noStrike" kern="1200" cap="none" spc="0" normalizeH="0" baseline="0" noProof="0" dirty="0" smtClean="0">
+              <a:ln>
+                <a:noFill/>
+              </a:ln>
+              <a:solidFill>
+                <a:srgbClr val="002060"/>
+              </a:solidFill>
+              <a:effectLst/>
+              <a:uLnTx/>
+              <a:uFillTx/>
               <a:latin typeface="Arial Unicode MS" pitchFamily="34" charset="-120"/>
               <a:ea typeface="Arial Unicode MS" pitchFamily="34" charset="-120"/>
               <a:cs typeface="Arial Unicode MS" pitchFamily="34" charset="-120"/>
@@ -5209,7 +7027,7 @@
                 <a:ea typeface="Arial Unicode MS" pitchFamily="34" charset="-120"/>
                 <a:cs typeface="Arial Unicode MS" pitchFamily="34" charset="-120"/>
               </a:rPr>
-              <a:t>thấp</a:t>
+              <a:t>khiêm</a:t>
             </a:r>
             <a:r>
               <a:rPr lang="en-US" sz="4000" b="1" dirty="0" smtClean="0">
@@ -5225,7 +7043,7 @@
                 <a:ea typeface="Arial Unicode MS" pitchFamily="34" charset="-120"/>
                 <a:cs typeface="Arial Unicode MS" pitchFamily="34" charset="-120"/>
               </a:rPr>
-              <a:t>xuống</a:t>
+              <a:t>nhường</a:t>
             </a:r>
             <a:endParaRPr lang="en-US" sz="4000" b="1" dirty="0" smtClean="0">
               <a:latin typeface="Arial Unicode MS" pitchFamily="34" charset="-120"/>
@@ -5407,12 +7225,116 @@
                 <a:ea typeface="Arial Unicode MS" pitchFamily="34" charset="-120"/>
                 <a:cs typeface="Arial Unicode MS" pitchFamily="34" charset="-120"/>
               </a:rPr>
-              <a:t>High: </a:t>
+              <a:t>High:  </a:t>
+            </a:r>
+            <a:r>
+              <a:rPr lang="en-US" sz="4000" b="1" dirty="0" err="1" smtClean="0">
+                <a:latin typeface="Arial Unicode MS" pitchFamily="34" charset="-120"/>
+                <a:ea typeface="Arial Unicode MS" pitchFamily="34" charset="-120"/>
+                <a:cs typeface="Arial Unicode MS" pitchFamily="34" charset="-120"/>
+              </a:rPr>
+              <a:t>cao</a:t>
+            </a:r>
+            <a:r>
+              <a:rPr lang="en-US" sz="4000" b="1" dirty="0" smtClean="0">
+                <a:latin typeface="Arial Unicode MS" pitchFamily="34" charset="-120"/>
+                <a:ea typeface="Arial Unicode MS" pitchFamily="34" charset="-120"/>
+                <a:cs typeface="Arial Unicode MS" pitchFamily="34" charset="-120"/>
+              </a:rPr>
+              <a:t> / </a:t>
+            </a:r>
+            <a:r>
+              <a:rPr lang="en-US" sz="4000" b="1" dirty="0" err="1" smtClean="0">
+                <a:latin typeface="Arial Unicode MS" pitchFamily="34" charset="-120"/>
+                <a:ea typeface="Arial Unicode MS" pitchFamily="34" charset="-120"/>
+                <a:cs typeface="Arial Unicode MS" pitchFamily="34" charset="-120"/>
+              </a:rPr>
+              <a:t>cao</a:t>
+            </a:r>
+            <a:r>
+              <a:rPr lang="en-US" sz="4000" b="1" dirty="0" smtClean="0">
+                <a:latin typeface="Arial Unicode MS" pitchFamily="34" charset="-120"/>
+                <a:ea typeface="Arial Unicode MS" pitchFamily="34" charset="-120"/>
+                <a:cs typeface="Arial Unicode MS" pitchFamily="34" charset="-120"/>
+              </a:rPr>
+              <a:t> sang/ </a:t>
+            </a:r>
+            <a:r>
+              <a:rPr lang="en-US" sz="4000" b="1" dirty="0" err="1" smtClean="0">
+                <a:latin typeface="Arial Unicode MS" pitchFamily="34" charset="-120"/>
+                <a:ea typeface="Arial Unicode MS" pitchFamily="34" charset="-120"/>
+                <a:cs typeface="Arial Unicode MS" pitchFamily="34" charset="-120"/>
+              </a:rPr>
+              <a:t>cao</a:t>
+            </a:r>
+            <a:r>
+              <a:rPr lang="en-US" sz="4000" b="1" dirty="0" smtClean="0">
+                <a:latin typeface="Arial Unicode MS" pitchFamily="34" charset="-120"/>
+                <a:ea typeface="Arial Unicode MS" pitchFamily="34" charset="-120"/>
+                <a:cs typeface="Arial Unicode MS" pitchFamily="34" charset="-120"/>
+              </a:rPr>
+              <a:t> </a:t>
+            </a:r>
+            <a:r>
+              <a:rPr lang="en-US" sz="4000" b="1" dirty="0" err="1" smtClean="0">
+                <a:latin typeface="Arial Unicode MS" pitchFamily="34" charset="-120"/>
+                <a:ea typeface="Arial Unicode MS" pitchFamily="34" charset="-120"/>
+                <a:cs typeface="Arial Unicode MS" pitchFamily="34" charset="-120"/>
+              </a:rPr>
+              <a:t>lớn</a:t>
+            </a:r>
+            <a:r>
+              <a:rPr lang="en-US" sz="4000" b="1" dirty="0" smtClean="0">
+                <a:latin typeface="Arial Unicode MS" pitchFamily="34" charset="-120"/>
+                <a:ea typeface="Arial Unicode MS" pitchFamily="34" charset="-120"/>
+                <a:cs typeface="Arial Unicode MS" pitchFamily="34" charset="-120"/>
+              </a:rPr>
+              <a:t>..</a:t>
+            </a:r>
+          </a:p>
+          <a:p>
+            <a:pPr>
+              <a:buNone/>
+            </a:pPr>
+            <a:r>
+              <a:rPr lang="en-US" sz="4000" b="1" dirty="0" smtClean="0">
+                <a:solidFill>
+                  <a:srgbClr val="FF0000"/>
+                </a:solidFill>
+                <a:latin typeface="Arial Unicode MS" pitchFamily="34" charset="-120"/>
+                <a:ea typeface="Arial Unicode MS" pitchFamily="34" charset="-120"/>
+                <a:cs typeface="Arial Unicode MS" pitchFamily="34" charset="-120"/>
+              </a:rPr>
+              <a:t>Holy: </a:t>
+            </a:r>
+            <a:r>
+              <a:rPr lang="en-US" sz="4000" b="1" dirty="0" err="1" smtClean="0">
+                <a:latin typeface="Arial Unicode MS" pitchFamily="34" charset="-120"/>
+                <a:ea typeface="Arial Unicode MS" pitchFamily="34" charset="-120"/>
+                <a:cs typeface="Arial Unicode MS" pitchFamily="34" charset="-120"/>
+              </a:rPr>
+              <a:t>Thần</a:t>
+            </a:r>
+            <a:r>
+              <a:rPr lang="en-US" sz="4000" b="1" dirty="0" smtClean="0">
+                <a:solidFill>
+                  <a:srgbClr val="FF0000"/>
+                </a:solidFill>
+                <a:latin typeface="Arial Unicode MS" pitchFamily="34" charset="-120"/>
+                <a:ea typeface="Arial Unicode MS" pitchFamily="34" charset="-120"/>
+                <a:cs typeface="Arial Unicode MS" pitchFamily="34" charset="-120"/>
+              </a:rPr>
+              <a:t> </a:t>
+            </a:r>
+            <a:r>
+              <a:rPr lang="en-US" sz="4000" b="1" dirty="0" err="1" smtClean="0">
+                <a:latin typeface="Arial Unicode MS" pitchFamily="34" charset="-120"/>
+                <a:ea typeface="Arial Unicode MS" pitchFamily="34" charset="-120"/>
+                <a:cs typeface="Arial Unicode MS" pitchFamily="34" charset="-120"/>
+              </a:rPr>
+              <a:t>Thánh</a:t>
             </a:r>
             <a:endParaRPr lang="en-US" sz="4000" b="1" dirty="0" smtClean="0">
-              <a:solidFill>
-                <a:srgbClr val="FF0000"/>
-              </a:solidFill>
               <a:latin typeface="Arial Unicode MS" pitchFamily="34" charset="-120"/>
               <a:ea typeface="Arial Unicode MS" pitchFamily="34" charset="-120"/>
               <a:cs typeface="Arial Unicode MS" pitchFamily="34" charset="-120"/>
@@ -5431,12 +7353,73 @@
                 <a:ea typeface="Arial Unicode MS" pitchFamily="34" charset="-120"/>
                 <a:cs typeface="Arial Unicode MS" pitchFamily="34" charset="-120"/>
               </a:rPr>
-              <a:t>Holy: </a:t>
+              <a:t>Meek: </a:t>
+            </a:r>
+            <a:r>
+              <a:rPr lang="en-US" sz="3600" b="1" dirty="0" err="1" smtClean="0">
+                <a:latin typeface="Arial Unicode MS" pitchFamily="34" charset="-120"/>
+                <a:ea typeface="Arial Unicode MS" pitchFamily="34" charset="-120"/>
+                <a:cs typeface="Arial Unicode MS" pitchFamily="34" charset="-120"/>
+              </a:rPr>
+              <a:t>nhu</a:t>
+            </a:r>
+            <a:r>
+              <a:rPr lang="en-US" sz="3600" b="1" dirty="0" smtClean="0">
+                <a:latin typeface="Arial Unicode MS" pitchFamily="34" charset="-120"/>
+                <a:ea typeface="Arial Unicode MS" pitchFamily="34" charset="-120"/>
+                <a:cs typeface="Arial Unicode MS" pitchFamily="34" charset="-120"/>
+              </a:rPr>
+              <a:t> </a:t>
+            </a:r>
+            <a:r>
+              <a:rPr lang="en-US" sz="3600" b="1" dirty="0" err="1" smtClean="0">
+                <a:latin typeface="Arial Unicode MS" pitchFamily="34" charset="-120"/>
+                <a:ea typeface="Arial Unicode MS" pitchFamily="34" charset="-120"/>
+                <a:cs typeface="Arial Unicode MS" pitchFamily="34" charset="-120"/>
+              </a:rPr>
+              <a:t>mì</a:t>
+            </a:r>
+            <a:r>
+              <a:rPr lang="en-US" sz="3600" b="1" dirty="0" smtClean="0">
+                <a:latin typeface="Arial Unicode MS" pitchFamily="34" charset="-120"/>
+                <a:ea typeface="Arial Unicode MS" pitchFamily="34" charset="-120"/>
+                <a:cs typeface="Arial Unicode MS" pitchFamily="34" charset="-120"/>
+              </a:rPr>
+              <a:t>/ </a:t>
+            </a:r>
+            <a:r>
+              <a:rPr lang="en-US" sz="3600" b="1" dirty="0" err="1" smtClean="0">
+                <a:latin typeface="Arial Unicode MS" pitchFamily="34" charset="-120"/>
+                <a:ea typeface="Arial Unicode MS" pitchFamily="34" charset="-120"/>
+                <a:cs typeface="Arial Unicode MS" pitchFamily="34" charset="-120"/>
+              </a:rPr>
+              <a:t>ngoan</a:t>
+            </a:r>
+            <a:r>
+              <a:rPr lang="en-US" sz="3600" b="1" dirty="0" smtClean="0">
+                <a:latin typeface="Arial Unicode MS" pitchFamily="34" charset="-120"/>
+                <a:ea typeface="Arial Unicode MS" pitchFamily="34" charset="-120"/>
+                <a:cs typeface="Arial Unicode MS" pitchFamily="34" charset="-120"/>
+              </a:rPr>
+              <a:t> </a:t>
+            </a:r>
+            <a:r>
+              <a:rPr lang="en-US" sz="3600" b="1" dirty="0" err="1" smtClean="0">
+                <a:latin typeface="Arial Unicode MS" pitchFamily="34" charset="-120"/>
+                <a:ea typeface="Arial Unicode MS" pitchFamily="34" charset="-120"/>
+                <a:cs typeface="Arial Unicode MS" pitchFamily="34" charset="-120"/>
+              </a:rPr>
+              <a:t>ngoãn</a:t>
+            </a:r>
+            <a:r>
+              <a:rPr lang="en-US" sz="3600" b="1" dirty="0" smtClean="0">
+                <a:latin typeface="Arial Unicode MS" pitchFamily="34" charset="-120"/>
+                <a:ea typeface="Arial Unicode MS" pitchFamily="34" charset="-120"/>
+                <a:cs typeface="Arial Unicode MS" pitchFamily="34" charset="-120"/>
+              </a:rPr>
+              <a:t> (=lowly)</a:t>
             </a:r>
             <a:endParaRPr lang="en-US" sz="4000" b="1" dirty="0" smtClean="0">
-              <a:solidFill>
-                <a:srgbClr val="FF0000"/>
-              </a:solidFill>
               <a:latin typeface="Arial Unicode MS" pitchFamily="34" charset="-120"/>
               <a:ea typeface="Arial Unicode MS" pitchFamily="34" charset="-120"/>
               <a:cs typeface="Arial Unicode MS" pitchFamily="34" charset="-120"/>
@@ -5455,12 +7438,65 @@
                 <a:ea typeface="Arial Unicode MS" pitchFamily="34" charset="-120"/>
                 <a:cs typeface="Arial Unicode MS" pitchFamily="34" charset="-120"/>
               </a:rPr>
-              <a:t>Meek:</a:t>
+              <a:t>Hour: </a:t>
+            </a:r>
+            <a:r>
+              <a:rPr lang="en-US" sz="4000" b="1" dirty="0" err="1" smtClean="0">
+                <a:latin typeface="Arial Unicode MS" pitchFamily="34" charset="-120"/>
+                <a:ea typeface="Arial Unicode MS" pitchFamily="34" charset="-120"/>
+                <a:cs typeface="Arial Unicode MS" pitchFamily="34" charset="-120"/>
+              </a:rPr>
+              <a:t>thời</a:t>
+            </a:r>
+            <a:r>
+              <a:rPr lang="en-US" sz="4000" b="1" dirty="0" smtClean="0">
+                <a:latin typeface="Arial Unicode MS" pitchFamily="34" charset="-120"/>
+                <a:ea typeface="Arial Unicode MS" pitchFamily="34" charset="-120"/>
+                <a:cs typeface="Arial Unicode MS" pitchFamily="34" charset="-120"/>
+              </a:rPr>
+              <a:t> </a:t>
+            </a:r>
+            <a:r>
+              <a:rPr lang="en-US" sz="4000" b="1" dirty="0" err="1" smtClean="0">
+                <a:latin typeface="Arial Unicode MS" pitchFamily="34" charset="-120"/>
+                <a:ea typeface="Arial Unicode MS" pitchFamily="34" charset="-120"/>
+                <a:cs typeface="Arial Unicode MS" pitchFamily="34" charset="-120"/>
+              </a:rPr>
+              <a:t>gian</a:t>
+            </a:r>
+            <a:r>
+              <a:rPr lang="en-US" sz="4000" b="1" dirty="0" smtClean="0">
+                <a:latin typeface="Arial Unicode MS" pitchFamily="34" charset="-120"/>
+                <a:ea typeface="Arial Unicode MS" pitchFamily="34" charset="-120"/>
+                <a:cs typeface="Arial Unicode MS" pitchFamily="34" charset="-120"/>
+              </a:rPr>
+              <a:t> </a:t>
+            </a:r>
+          </a:p>
+          <a:p>
+            <a:pPr>
+              <a:buNone/>
+            </a:pPr>
+            <a:r>
+              <a:rPr lang="en-US" sz="4000" b="1" dirty="0" smtClean="0">
+                <a:solidFill>
+                  <a:srgbClr val="FF0000"/>
+                </a:solidFill>
+                <a:latin typeface="Arial Unicode MS" pitchFamily="34" charset="-120"/>
+                <a:ea typeface="Arial Unicode MS" pitchFamily="34" charset="-120"/>
+                <a:cs typeface="Arial Unicode MS" pitchFamily="34" charset="-120"/>
+              </a:rPr>
+              <a:t>Near: </a:t>
+            </a:r>
+            <a:r>
+              <a:rPr lang="en-US" sz="4000" b="1" dirty="0" err="1" smtClean="0">
+                <a:latin typeface="Arial Unicode MS" pitchFamily="34" charset="-120"/>
+                <a:ea typeface="Arial Unicode MS" pitchFamily="34" charset="-120"/>
+                <a:cs typeface="Arial Unicode MS" pitchFamily="34" charset="-120"/>
+              </a:rPr>
+              <a:t>gần</a:t>
             </a:r>
             <a:endParaRPr lang="en-US" sz="4000" b="1" dirty="0" smtClean="0">
-              <a:solidFill>
-                <a:srgbClr val="FF0000"/>
-              </a:solidFill>
               <a:latin typeface="Arial Unicode MS" pitchFamily="34" charset="-120"/>
               <a:ea typeface="Arial Unicode MS" pitchFamily="34" charset="-120"/>
               <a:cs typeface="Arial Unicode MS" pitchFamily="34" charset="-120"/>
@@ -5479,12 +7515,17 @@
                 <a:ea typeface="Arial Unicode MS" pitchFamily="34" charset="-120"/>
                 <a:cs typeface="Arial Unicode MS" pitchFamily="34" charset="-120"/>
               </a:rPr>
-              <a:t>Hour: </a:t>
+              <a:t>Night: </a:t>
+            </a:r>
+            <a:r>
+              <a:rPr lang="en-US" sz="4000" b="1" dirty="0" err="1" smtClean="0">
+                <a:latin typeface="Arial Unicode MS" pitchFamily="34" charset="-120"/>
+                <a:ea typeface="Arial Unicode MS" pitchFamily="34" charset="-120"/>
+                <a:cs typeface="Arial Unicode MS" pitchFamily="34" charset="-120"/>
+              </a:rPr>
+              <a:t>đêm</a:t>
             </a:r>
             <a:endParaRPr lang="en-US" sz="4000" b="1" dirty="0" smtClean="0">
-              <a:solidFill>
-                <a:srgbClr val="FF0000"/>
-              </a:solidFill>
               <a:latin typeface="Arial Unicode MS" pitchFamily="34" charset="-120"/>
               <a:ea typeface="Arial Unicode MS" pitchFamily="34" charset="-120"/>
               <a:cs typeface="Arial Unicode MS" pitchFamily="34" charset="-120"/>
@@ -5503,60 +7544,33 @@
                 <a:ea typeface="Arial Unicode MS" pitchFamily="34" charset="-120"/>
                 <a:cs typeface="Arial Unicode MS" pitchFamily="34" charset="-120"/>
               </a:rPr>
-              <a:t>Near:</a:t>
+              <a:t>Dark: </a:t>
+            </a:r>
+            <a:r>
+              <a:rPr lang="en-US" sz="4000" b="1" dirty="0" err="1" smtClean="0">
+                <a:latin typeface="Arial Unicode MS" pitchFamily="34" charset="-120"/>
+                <a:ea typeface="Arial Unicode MS" pitchFamily="34" charset="-120"/>
+                <a:cs typeface="Arial Unicode MS" pitchFamily="34" charset="-120"/>
+              </a:rPr>
+              <a:t>tối</a:t>
+            </a:r>
+            <a:r>
+              <a:rPr lang="en-US" sz="4000" b="1" dirty="0" smtClean="0">
+                <a:latin typeface="Arial Unicode MS" pitchFamily="34" charset="-120"/>
+                <a:ea typeface="Arial Unicode MS" pitchFamily="34" charset="-120"/>
+                <a:cs typeface="Arial Unicode MS" pitchFamily="34" charset="-120"/>
+              </a:rPr>
+              <a:t> </a:t>
+            </a:r>
+            <a:r>
+              <a:rPr lang="en-US" sz="4000" b="1" dirty="0" err="1" smtClean="0">
+                <a:latin typeface="Arial Unicode MS" pitchFamily="34" charset="-120"/>
+                <a:ea typeface="Arial Unicode MS" pitchFamily="34" charset="-120"/>
+                <a:cs typeface="Arial Unicode MS" pitchFamily="34" charset="-120"/>
+              </a:rPr>
+              <a:t>tăm</a:t>
             </a:r>
             <a:endParaRPr lang="en-US" sz="4000" b="1" dirty="0" smtClean="0">
-              <a:solidFill>
-                <a:srgbClr val="FF0000"/>
-              </a:solidFill>
-              <a:latin typeface="Arial Unicode MS" pitchFamily="34" charset="-120"/>
-              <a:ea typeface="Arial Unicode MS" pitchFamily="34" charset="-120"/>
-              <a:cs typeface="Arial Unicode MS" pitchFamily="34" charset="-120"/>
-            </a:endParaRPr>
-          </a:p>
-          <a:p>
-            <a:pPr>
-              <a:buNone/>
-            </a:pPr>
-            <a:r>
-              <a:rPr lang="en-US" sz="4000" b="1" dirty="0" smtClean="0">
-                <a:solidFill>
-                  <a:srgbClr val="FF0000"/>
-                </a:solidFill>
-                <a:latin typeface="Arial Unicode MS" pitchFamily="34" charset="-120"/>
-                <a:ea typeface="Arial Unicode MS" pitchFamily="34" charset="-120"/>
-                <a:cs typeface="Arial Unicode MS" pitchFamily="34" charset="-120"/>
-              </a:rPr>
-              <a:t>Night:</a:t>
-            </a:r>
-            <a:endParaRPr lang="en-US" sz="4000" b="1" dirty="0" smtClean="0">
-              <a:solidFill>
-                <a:srgbClr val="FF0000"/>
-              </a:solidFill>
-              <a:latin typeface="Arial Unicode MS" pitchFamily="34" charset="-120"/>
-              <a:ea typeface="Arial Unicode MS" pitchFamily="34" charset="-120"/>
-              <a:cs typeface="Arial Unicode MS" pitchFamily="34" charset="-120"/>
-            </a:endParaRPr>
-          </a:p>
-          <a:p>
-            <a:pPr>
-              <a:buNone/>
-            </a:pPr>
-            <a:r>
-              <a:rPr lang="en-US" sz="4000" b="1" dirty="0" smtClean="0">
-                <a:solidFill>
-                  <a:srgbClr val="FF0000"/>
-                </a:solidFill>
-                <a:latin typeface="Arial Unicode MS" pitchFamily="34" charset="-120"/>
-                <a:ea typeface="Arial Unicode MS" pitchFamily="34" charset="-120"/>
-                <a:cs typeface="Arial Unicode MS" pitchFamily="34" charset="-120"/>
-              </a:rPr>
-              <a:t>Dark:</a:t>
-            </a:r>
-            <a:endParaRPr lang="en-US" sz="4000" b="1" dirty="0" smtClean="0">
-              <a:solidFill>
-                <a:srgbClr val="FF0000"/>
-              </a:solidFill>
               <a:latin typeface="Arial Unicode MS" pitchFamily="34" charset="-120"/>
               <a:ea typeface="Arial Unicode MS" pitchFamily="34" charset="-120"/>
               <a:cs typeface="Arial Unicode MS" pitchFamily="34" charset="-120"/>
@@ -5630,8 +7644,85 @@
                 <a:ea typeface="Arial Unicode MS" pitchFamily="34" charset="-120"/>
                 <a:cs typeface="Arial Unicode MS" pitchFamily="34" charset="-120"/>
               </a:rPr>
-              <a:t>Cheer</a:t>
-            </a:r>
+              <a:t>Cheer: </a:t>
+            </a:r>
+            <a:r>
+              <a:rPr lang="en-US" sz="3600" b="1" dirty="0" err="1" smtClean="0">
+                <a:latin typeface="Arial Unicode MS" pitchFamily="34" charset="-120"/>
+                <a:ea typeface="Arial Unicode MS" pitchFamily="34" charset="-120"/>
+                <a:cs typeface="Arial Unicode MS" pitchFamily="34" charset="-120"/>
+              </a:rPr>
+              <a:t>khích</a:t>
+            </a:r>
+            <a:r>
+              <a:rPr lang="en-US" sz="3600" b="1" dirty="0" smtClean="0">
+                <a:latin typeface="Arial Unicode MS" pitchFamily="34" charset="-120"/>
+                <a:ea typeface="Arial Unicode MS" pitchFamily="34" charset="-120"/>
+                <a:cs typeface="Arial Unicode MS" pitchFamily="34" charset="-120"/>
+              </a:rPr>
+              <a:t> </a:t>
+            </a:r>
+            <a:r>
+              <a:rPr lang="en-US" sz="3600" b="1" dirty="0" err="1" smtClean="0">
+                <a:latin typeface="Arial Unicode MS" pitchFamily="34" charset="-120"/>
+                <a:ea typeface="Arial Unicode MS" pitchFamily="34" charset="-120"/>
+                <a:cs typeface="Arial Unicode MS" pitchFamily="34" charset="-120"/>
+              </a:rPr>
+              <a:t>lệ</a:t>
+            </a:r>
+            <a:r>
+              <a:rPr lang="en-US" sz="3600" b="1" dirty="0" smtClean="0">
+                <a:latin typeface="Arial Unicode MS" pitchFamily="34" charset="-120"/>
+                <a:ea typeface="Arial Unicode MS" pitchFamily="34" charset="-120"/>
+                <a:cs typeface="Arial Unicode MS" pitchFamily="34" charset="-120"/>
+              </a:rPr>
+              <a:t> / </a:t>
+            </a:r>
+            <a:r>
+              <a:rPr lang="en-US" sz="3600" b="1" dirty="0" err="1" smtClean="0">
+                <a:latin typeface="Arial Unicode MS" pitchFamily="34" charset="-120"/>
+                <a:ea typeface="Arial Unicode MS" pitchFamily="34" charset="-120"/>
+                <a:cs typeface="Arial Unicode MS" pitchFamily="34" charset="-120"/>
+              </a:rPr>
+              <a:t>tạo</a:t>
+            </a:r>
+            <a:r>
+              <a:rPr lang="en-US" sz="3600" b="1" dirty="0" smtClean="0">
+                <a:latin typeface="Arial Unicode MS" pitchFamily="34" charset="-120"/>
+                <a:ea typeface="Arial Unicode MS" pitchFamily="34" charset="-120"/>
+                <a:cs typeface="Arial Unicode MS" pitchFamily="34" charset="-120"/>
+              </a:rPr>
+              <a:t> </a:t>
+            </a:r>
+            <a:r>
+              <a:rPr lang="en-US" sz="3600" b="1" dirty="0" err="1" smtClean="0">
+                <a:latin typeface="Arial Unicode MS" pitchFamily="34" charset="-120"/>
+                <a:ea typeface="Arial Unicode MS" pitchFamily="34" charset="-120"/>
+                <a:cs typeface="Arial Unicode MS" pitchFamily="34" charset="-120"/>
+              </a:rPr>
+              <a:t>niềm</a:t>
+            </a:r>
+            <a:r>
+              <a:rPr lang="en-US" sz="3600" b="1" dirty="0" smtClean="0">
+                <a:latin typeface="Arial Unicode MS" pitchFamily="34" charset="-120"/>
+                <a:ea typeface="Arial Unicode MS" pitchFamily="34" charset="-120"/>
+                <a:cs typeface="Arial Unicode MS" pitchFamily="34" charset="-120"/>
+              </a:rPr>
+              <a:t> </a:t>
+            </a:r>
+            <a:r>
+              <a:rPr lang="en-US" sz="3600" b="1" dirty="0" err="1" smtClean="0">
+                <a:latin typeface="Arial Unicode MS" pitchFamily="34" charset="-120"/>
+                <a:ea typeface="Arial Unicode MS" pitchFamily="34" charset="-120"/>
+                <a:cs typeface="Arial Unicode MS" pitchFamily="34" charset="-120"/>
+              </a:rPr>
+              <a:t>vui</a:t>
+            </a:r>
+            <a:endParaRPr lang="en-US" sz="3600" b="1" dirty="0" smtClean="0">
+              <a:latin typeface="Arial Unicode MS" pitchFamily="34" charset="-120"/>
+              <a:ea typeface="Arial Unicode MS" pitchFamily="34" charset="-120"/>
+              <a:cs typeface="Arial Unicode MS" pitchFamily="34" charset="-120"/>
+            </a:endParaRPr>
           </a:p>
           <a:p>
             <a:pPr>
@@ -5646,8 +7737,21 @@
                 <a:ea typeface="Arial Unicode MS" pitchFamily="34" charset="-120"/>
                 <a:cs typeface="Arial Unicode MS" pitchFamily="34" charset="-120"/>
               </a:rPr>
-              <a:t>Saint</a:t>
-            </a:r>
+              <a:t>Saint: </a:t>
+            </a:r>
+            <a:r>
+              <a:rPr lang="en-US" sz="4000" b="1" dirty="0" err="1" smtClean="0">
+                <a:latin typeface="Arial Unicode MS" pitchFamily="34" charset="-120"/>
+                <a:ea typeface="Arial Unicode MS" pitchFamily="34" charset="-120"/>
+                <a:cs typeface="Arial Unicode MS" pitchFamily="34" charset="-120"/>
+              </a:rPr>
+              <a:t>Thánh</a:t>
+            </a:r>
+            <a:endParaRPr lang="en-US" sz="4000" b="1" dirty="0" smtClean="0">
+              <a:latin typeface="Arial Unicode MS" pitchFamily="34" charset="-120"/>
+              <a:ea typeface="Arial Unicode MS" pitchFamily="34" charset="-120"/>
+              <a:cs typeface="Arial Unicode MS" pitchFamily="34" charset="-120"/>
+            </a:endParaRPr>
           </a:p>
           <a:p>
             <a:pPr>
@@ -5662,8 +7766,37 @@
                 <a:ea typeface="Arial Unicode MS" pitchFamily="34" charset="-120"/>
                 <a:cs typeface="Arial Unicode MS" pitchFamily="34" charset="-120"/>
               </a:rPr>
-              <a:t>Find</a:t>
-            </a:r>
+              <a:t>Find: </a:t>
+            </a:r>
+            <a:r>
+              <a:rPr lang="en-US" sz="4000" b="1" dirty="0" err="1" smtClean="0">
+                <a:latin typeface="Arial Unicode MS" pitchFamily="34" charset="-120"/>
+                <a:ea typeface="Arial Unicode MS" pitchFamily="34" charset="-120"/>
+                <a:cs typeface="Arial Unicode MS" pitchFamily="34" charset="-120"/>
+              </a:rPr>
+              <a:t>tìm</a:t>
+            </a:r>
+            <a:r>
+              <a:rPr lang="en-US" sz="4000" b="1" dirty="0" smtClean="0">
+                <a:latin typeface="Arial Unicode MS" pitchFamily="34" charset="-120"/>
+                <a:ea typeface="Arial Unicode MS" pitchFamily="34" charset="-120"/>
+                <a:cs typeface="Arial Unicode MS" pitchFamily="34" charset="-120"/>
+              </a:rPr>
+              <a:t> </a:t>
+            </a:r>
+            <a:r>
+              <a:rPr lang="en-US" sz="4000" b="1" dirty="0" err="1" smtClean="0">
+                <a:latin typeface="Arial Unicode MS" pitchFamily="34" charset="-120"/>
+                <a:ea typeface="Arial Unicode MS" pitchFamily="34" charset="-120"/>
+                <a:cs typeface="Arial Unicode MS" pitchFamily="34" charset="-120"/>
+              </a:rPr>
+              <a:t>kiếm</a:t>
+            </a:r>
+            <a:endParaRPr lang="en-US" sz="4000" b="1" dirty="0" smtClean="0">
+              <a:latin typeface="Arial Unicode MS" pitchFamily="34" charset="-120"/>
+              <a:ea typeface="Arial Unicode MS" pitchFamily="34" charset="-120"/>
+              <a:cs typeface="Arial Unicode MS" pitchFamily="34" charset="-120"/>
+            </a:endParaRPr>
           </a:p>
           <a:p>
             <a:pPr>
@@ -5678,8 +7811,69 @@
                 <a:ea typeface="Arial Unicode MS" pitchFamily="34" charset="-120"/>
                 <a:cs typeface="Arial Unicode MS" pitchFamily="34" charset="-120"/>
               </a:rPr>
-              <a:t>Forsake</a:t>
-            </a:r>
+              <a:t>Forsake: </a:t>
+            </a:r>
+            <a:r>
+              <a:rPr lang="en-US" sz="4000" b="1" dirty="0" err="1" smtClean="0">
+                <a:latin typeface="Arial Unicode MS" pitchFamily="34" charset="-120"/>
+                <a:ea typeface="Arial Unicode MS" pitchFamily="34" charset="-120"/>
+                <a:cs typeface="Arial Unicode MS" pitchFamily="34" charset="-120"/>
+              </a:rPr>
+              <a:t>từ</a:t>
+            </a:r>
+            <a:r>
+              <a:rPr lang="en-US" sz="4000" b="1" dirty="0" smtClean="0">
+                <a:latin typeface="Arial Unicode MS" pitchFamily="34" charset="-120"/>
+                <a:ea typeface="Arial Unicode MS" pitchFamily="34" charset="-120"/>
+                <a:cs typeface="Arial Unicode MS" pitchFamily="34" charset="-120"/>
+              </a:rPr>
+              <a:t> </a:t>
+            </a:r>
+            <a:r>
+              <a:rPr lang="en-US" sz="4000" b="1" dirty="0" err="1" smtClean="0">
+                <a:latin typeface="Arial Unicode MS" pitchFamily="34" charset="-120"/>
+                <a:ea typeface="Arial Unicode MS" pitchFamily="34" charset="-120"/>
+                <a:cs typeface="Arial Unicode MS" pitchFamily="34" charset="-120"/>
+              </a:rPr>
+              <a:t>bỏ</a:t>
+            </a:r>
+            <a:r>
+              <a:rPr lang="en-US" sz="4000" b="1" dirty="0" smtClean="0">
+                <a:latin typeface="Arial Unicode MS" pitchFamily="34" charset="-120"/>
+                <a:ea typeface="Arial Unicode MS" pitchFamily="34" charset="-120"/>
+                <a:cs typeface="Arial Unicode MS" pitchFamily="34" charset="-120"/>
+              </a:rPr>
+              <a:t>, </a:t>
+            </a:r>
+            <a:r>
+              <a:rPr lang="en-US" sz="4000" b="1" dirty="0" err="1" smtClean="0">
+                <a:latin typeface="Arial Unicode MS" pitchFamily="34" charset="-120"/>
+                <a:ea typeface="Arial Unicode MS" pitchFamily="34" charset="-120"/>
+                <a:cs typeface="Arial Unicode MS" pitchFamily="34" charset="-120"/>
+              </a:rPr>
+              <a:t>bỏ</a:t>
+            </a:r>
+            <a:r>
+              <a:rPr lang="en-US" sz="4000" b="1" dirty="0" smtClean="0">
+                <a:latin typeface="Arial Unicode MS" pitchFamily="34" charset="-120"/>
+                <a:ea typeface="Arial Unicode MS" pitchFamily="34" charset="-120"/>
+                <a:cs typeface="Arial Unicode MS" pitchFamily="34" charset="-120"/>
+              </a:rPr>
+              <a:t> </a:t>
+            </a:r>
+            <a:r>
+              <a:rPr lang="en-US" sz="4000" b="1" dirty="0" err="1" smtClean="0">
+                <a:latin typeface="Arial Unicode MS" pitchFamily="34" charset="-120"/>
+                <a:ea typeface="Arial Unicode MS" pitchFamily="34" charset="-120"/>
+                <a:cs typeface="Arial Unicode MS" pitchFamily="34" charset="-120"/>
+              </a:rPr>
+              <a:t>rơi</a:t>
+            </a:r>
+            <a:endParaRPr lang="en-US" sz="4000" b="1" dirty="0" smtClean="0">
+              <a:latin typeface="Arial Unicode MS" pitchFamily="34" charset="-120"/>
+              <a:ea typeface="Arial Unicode MS" pitchFamily="34" charset="-120"/>
+              <a:cs typeface="Arial Unicode MS" pitchFamily="34" charset="-120"/>
+            </a:endParaRPr>
           </a:p>
           <a:p>
             <a:pPr>
@@ -5694,8 +7888,53 @@
                 <a:ea typeface="Arial Unicode MS" pitchFamily="34" charset="-120"/>
                 <a:cs typeface="Arial Unicode MS" pitchFamily="34" charset="-120"/>
               </a:rPr>
-              <a:t>Sinner</a:t>
-            </a:r>
+              <a:t>Sinner: </a:t>
+            </a:r>
+            <a:r>
+              <a:rPr lang="en-US" sz="4000" b="1" dirty="0" err="1" smtClean="0">
+                <a:latin typeface="Arial Unicode MS" pitchFamily="34" charset="-120"/>
+                <a:ea typeface="Arial Unicode MS" pitchFamily="34" charset="-120"/>
+                <a:cs typeface="Arial Unicode MS" pitchFamily="34" charset="-120"/>
+              </a:rPr>
+              <a:t>người</a:t>
+            </a:r>
+            <a:r>
+              <a:rPr lang="en-US" sz="4000" b="1" dirty="0" smtClean="0">
+                <a:latin typeface="Arial Unicode MS" pitchFamily="34" charset="-120"/>
+                <a:ea typeface="Arial Unicode MS" pitchFamily="34" charset="-120"/>
+                <a:cs typeface="Arial Unicode MS" pitchFamily="34" charset="-120"/>
+              </a:rPr>
+              <a:t> </a:t>
+            </a:r>
+            <a:r>
+              <a:rPr lang="en-US" sz="4000" b="1" dirty="0" err="1" smtClean="0">
+                <a:latin typeface="Arial Unicode MS" pitchFamily="34" charset="-120"/>
+                <a:ea typeface="Arial Unicode MS" pitchFamily="34" charset="-120"/>
+                <a:cs typeface="Arial Unicode MS" pitchFamily="34" charset="-120"/>
+              </a:rPr>
+              <a:t>có</a:t>
+            </a:r>
+            <a:r>
+              <a:rPr lang="en-US" sz="4000" b="1" dirty="0" smtClean="0">
+                <a:latin typeface="Arial Unicode MS" pitchFamily="34" charset="-120"/>
+                <a:ea typeface="Arial Unicode MS" pitchFamily="34" charset="-120"/>
+                <a:cs typeface="Arial Unicode MS" pitchFamily="34" charset="-120"/>
+              </a:rPr>
+              <a:t> </a:t>
+            </a:r>
+            <a:r>
+              <a:rPr lang="en-US" sz="4000" b="1" dirty="0" err="1" smtClean="0">
+                <a:latin typeface="Arial Unicode MS" pitchFamily="34" charset="-120"/>
+                <a:ea typeface="Arial Unicode MS" pitchFamily="34" charset="-120"/>
+                <a:cs typeface="Arial Unicode MS" pitchFamily="34" charset="-120"/>
+              </a:rPr>
+              <a:t>tội</a:t>
+            </a:r>
+            <a:endParaRPr lang="en-US" sz="4000" b="1" dirty="0" smtClean="0">
+              <a:latin typeface="Arial Unicode MS" pitchFamily="34" charset="-120"/>
+              <a:ea typeface="Arial Unicode MS" pitchFamily="34" charset="-120"/>
+              <a:cs typeface="Arial Unicode MS" pitchFamily="34" charset="-120"/>
+            </a:endParaRPr>
           </a:p>
           <a:p>
             <a:pPr>
@@ -5712,6 +7951,19 @@
               </a:rPr>
               <a:t>Gift: </a:t>
             </a:r>
+            <a:r>
+              <a:rPr lang="en-US" sz="4000" b="1" dirty="0" err="1" smtClean="0">
+                <a:latin typeface="Arial Unicode MS" pitchFamily="34" charset="-120"/>
+                <a:ea typeface="Arial Unicode MS" pitchFamily="34" charset="-120"/>
+                <a:cs typeface="Arial Unicode MS" pitchFamily="34" charset="-120"/>
+              </a:rPr>
+              <a:t>quà</a:t>
+            </a:r>
+            <a:endParaRPr lang="en-US" sz="4000" b="1" dirty="0" smtClean="0">
+              <a:latin typeface="Arial Unicode MS" pitchFamily="34" charset="-120"/>
+              <a:ea typeface="Arial Unicode MS" pitchFamily="34" charset="-120"/>
+              <a:cs typeface="Arial Unicode MS" pitchFamily="34" charset="-120"/>
+            </a:endParaRPr>
           </a:p>
           <a:p>
             <a:pPr>
@@ -5726,17 +7978,49 @@
                 <a:ea typeface="Arial Unicode MS" pitchFamily="34" charset="-120"/>
                 <a:cs typeface="Arial Unicode MS" pitchFamily="34" charset="-120"/>
               </a:rPr>
-              <a:t>Savior:</a:t>
-            </a:r>
-          </a:p>
-          <a:p>
-            <a:pPr>
-              <a:buNone/>
-            </a:pPr>
+              <a:t>Savior: </a:t>
+            </a:r>
+            <a:r>
+              <a:rPr lang="en-US" sz="4000" b="1" dirty="0" err="1" smtClean="0">
+                <a:latin typeface="Arial Unicode MS" pitchFamily="34" charset="-120"/>
+                <a:ea typeface="Arial Unicode MS" pitchFamily="34" charset="-120"/>
+                <a:cs typeface="Arial Unicode MS" pitchFamily="34" charset="-120"/>
+              </a:rPr>
+              <a:t>Đấng</a:t>
+            </a:r>
+            <a:r>
+              <a:rPr lang="en-US" sz="4000" b="1" dirty="0" smtClean="0">
+                <a:latin typeface="Arial Unicode MS" pitchFamily="34" charset="-120"/>
+                <a:ea typeface="Arial Unicode MS" pitchFamily="34" charset="-120"/>
+                <a:cs typeface="Arial Unicode MS" pitchFamily="34" charset="-120"/>
+              </a:rPr>
+              <a:t> </a:t>
+            </a:r>
+            <a:r>
+              <a:rPr lang="en-US" sz="4000" b="1" dirty="0" err="1" smtClean="0">
+                <a:latin typeface="Arial Unicode MS" pitchFamily="34" charset="-120"/>
+                <a:ea typeface="Arial Unicode MS" pitchFamily="34" charset="-120"/>
+                <a:cs typeface="Arial Unicode MS" pitchFamily="34" charset="-120"/>
+              </a:rPr>
+              <a:t>Cứu</a:t>
+            </a:r>
+            <a:r>
+              <a:rPr lang="en-US" sz="4000" b="1" dirty="0" smtClean="0">
+                <a:latin typeface="Arial Unicode MS" pitchFamily="34" charset="-120"/>
+                <a:ea typeface="Arial Unicode MS" pitchFamily="34" charset="-120"/>
+                <a:cs typeface="Arial Unicode MS" pitchFamily="34" charset="-120"/>
+              </a:rPr>
+              <a:t> </a:t>
+            </a:r>
+            <a:r>
+              <a:rPr lang="en-US" sz="4000" b="1" dirty="0" err="1" smtClean="0">
+                <a:latin typeface="Arial Unicode MS" pitchFamily="34" charset="-120"/>
+                <a:ea typeface="Arial Unicode MS" pitchFamily="34" charset="-120"/>
+                <a:cs typeface="Arial Unicode MS" pitchFamily="34" charset="-120"/>
+              </a:rPr>
+              <a:t>Thế</a:t>
+            </a:r>
             <a:endParaRPr lang="en-US" sz="4000" b="1" dirty="0" smtClean="0">
-              <a:solidFill>
-                <a:srgbClr val="FF0000"/>
-              </a:solidFill>
               <a:latin typeface="Arial Unicode MS" pitchFamily="34" charset="-120"/>
               <a:ea typeface="Arial Unicode MS" pitchFamily="34" charset="-120"/>
               <a:cs typeface="Arial Unicode MS" pitchFamily="34" charset="-120"/>
